--- a/JeanPiaget/2019-2020/Cuarentena/Quinto - Clases Remotas/3-RevisionArticulo-HowManyCases.pptx
+++ b/JeanPiaget/2019-2020/Cuarentena/Quinto - Clases Remotas/3-RevisionArticulo-HowManyCases.pptx
@@ -15,13 +15,18 @@
     <p:sldId id="265" r:id="rId9"/>
     <p:sldId id="266" r:id="rId10"/>
     <p:sldId id="272" r:id="rId11"/>
-    <p:sldId id="267" r:id="rId12"/>
-    <p:sldId id="273" r:id="rId13"/>
-    <p:sldId id="269" r:id="rId14"/>
-    <p:sldId id="270" r:id="rId15"/>
-    <p:sldId id="268" r:id="rId16"/>
-    <p:sldId id="271" r:id="rId17"/>
-    <p:sldId id="263" r:id="rId18"/>
+    <p:sldId id="274" r:id="rId12"/>
+    <p:sldId id="267" r:id="rId13"/>
+    <p:sldId id="273" r:id="rId14"/>
+    <p:sldId id="269" r:id="rId15"/>
+    <p:sldId id="270" r:id="rId16"/>
+    <p:sldId id="275" r:id="rId17"/>
+    <p:sldId id="268" r:id="rId18"/>
+    <p:sldId id="271" r:id="rId19"/>
+    <p:sldId id="276" r:id="rId20"/>
+    <p:sldId id="263" r:id="rId21"/>
+    <p:sldId id="278" r:id="rId22"/>
+    <p:sldId id="277" r:id="rId23"/>
   </p:sldIdLst>
   <p:sldSz cx="12192000" cy="6858000"/>
   <p:notesSz cx="6858000" cy="9144000"/>
@@ -120,6 +125,11 @@
       </a:defRPr>
     </a:lvl9pPr>
   </p:defaultTextStyle>
+  <p:extLst>
+    <p:ext uri="{EFAFB233-063F-42B5-8137-9DF3F51BA10A}">
+      <p15:sldGuideLst xmlns:p15="http://schemas.microsoft.com/office/powerpoint/2012/main"/>
+    </p:ext>
+  </p:extLst>
 </p:presentation>
 </file>
 
@@ -3749,6 +3759,220 @@
           <p:cNvPr id="2" name="Título 1">
             <a:extLst>
               <a:ext uri="{FF2B5EF4-FFF2-40B4-BE49-F238E27FC236}">
+                <a16:creationId xmlns:a16="http://schemas.microsoft.com/office/drawing/2014/main" id="{F8EECD00-1A6C-4ED6-9426-8D70B5CB5BC1}"/>
+              </a:ext>
+            </a:extLst>
+          </p:cNvPr>
+          <p:cNvSpPr>
+            <a:spLocks noGrp="1"/>
+          </p:cNvSpPr>
+          <p:nvPr>
+            <p:ph type="title"/>
+          </p:nvPr>
+        </p:nvSpPr>
+        <p:spPr/>
+        <p:txBody>
+          <a:bodyPr/>
+          <a:lstStyle/>
+          <a:p>
+            <a:endParaRPr lang="es-MX"/>
+          </a:p>
+        </p:txBody>
+      </p:sp>
+      <p:sp>
+        <p:nvSpPr>
+          <p:cNvPr id="3" name="Marcador de contenido 2">
+            <a:extLst>
+              <a:ext uri="{FF2B5EF4-FFF2-40B4-BE49-F238E27FC236}">
+                <a16:creationId xmlns:a16="http://schemas.microsoft.com/office/drawing/2014/main" id="{3A4FE9C1-B3E6-4841-9701-5C1435772A96}"/>
+              </a:ext>
+            </a:extLst>
+          </p:cNvPr>
+          <p:cNvSpPr>
+            <a:spLocks noGrp="1"/>
+          </p:cNvSpPr>
+          <p:nvPr>
+            <p:ph idx="1"/>
+          </p:nvPr>
+        </p:nvSpPr>
+        <p:spPr/>
+        <p:txBody>
+          <a:bodyPr/>
+          <a:lstStyle/>
+          <a:p>
+            <a:endParaRPr lang="es-MX"/>
+          </a:p>
+        </p:txBody>
+      </p:sp>
+      <p:pic>
+        <p:nvPicPr>
+          <p:cNvPr id="4" name="Imagen 3">
+            <a:extLst>
+              <a:ext uri="{FF2B5EF4-FFF2-40B4-BE49-F238E27FC236}">
+                <a16:creationId xmlns:a16="http://schemas.microsoft.com/office/drawing/2014/main" id="{29DF998B-FB5A-48BC-BCEC-29A7DD69A167}"/>
+              </a:ext>
+            </a:extLst>
+          </p:cNvPr>
+          <p:cNvPicPr>
+            <a:picLocks noChangeAspect="1"/>
+          </p:cNvPicPr>
+          <p:nvPr/>
+        </p:nvPicPr>
+        <p:blipFill>
+          <a:blip r:embed="rId2"/>
+          <a:stretch>
+            <a:fillRect/>
+          </a:stretch>
+        </p:blipFill>
+        <p:spPr>
+          <a:xfrm>
+            <a:off x="1104550" y="381185"/>
+            <a:ext cx="9982900" cy="6111690"/>
+          </a:xfrm>
+          <a:prstGeom prst="rect">
+            <a:avLst/>
+          </a:prstGeom>
+        </p:spPr>
+      </p:pic>
+      <p:sp>
+        <p:nvSpPr>
+          <p:cNvPr id="5" name="Rectángulo: esquinas redondeadas 4">
+            <a:extLst>
+              <a:ext uri="{FF2B5EF4-FFF2-40B4-BE49-F238E27FC236}">
+                <a16:creationId xmlns:a16="http://schemas.microsoft.com/office/drawing/2014/main" id="{FBFEAF47-B65A-4AA5-8842-4F3559202E3F}"/>
+              </a:ext>
+            </a:extLst>
+          </p:cNvPr>
+          <p:cNvSpPr/>
+          <p:nvPr/>
+        </p:nvSpPr>
+        <p:spPr>
+          <a:xfrm>
+            <a:off x="1104549" y="1014911"/>
+            <a:ext cx="581637" cy="4605713"/>
+          </a:xfrm>
+          <a:prstGeom prst="roundRect">
+            <a:avLst/>
+          </a:prstGeom>
+          <a:noFill/>
+          <a:ln w="76200">
+            <a:solidFill>
+              <a:srgbClr val="FF0000"/>
+            </a:solidFill>
+          </a:ln>
+        </p:spPr>
+        <p:style>
+          <a:lnRef idx="2">
+            <a:schemeClr val="accent1">
+              <a:shade val="50000"/>
+            </a:schemeClr>
+          </a:lnRef>
+          <a:fillRef idx="1">
+            <a:schemeClr val="accent1"/>
+          </a:fillRef>
+          <a:effectRef idx="0">
+            <a:schemeClr val="accent1"/>
+          </a:effectRef>
+          <a:fontRef idx="minor">
+            <a:schemeClr val="lt1"/>
+          </a:fontRef>
+        </p:style>
+        <p:txBody>
+          <a:bodyPr rtlCol="0" anchor="ctr"/>
+          <a:lstStyle/>
+          <a:p>
+            <a:pPr algn="ctr"/>
+            <a:endParaRPr lang="es-MX"/>
+          </a:p>
+        </p:txBody>
+      </p:sp>
+      <p:sp>
+        <p:nvSpPr>
+          <p:cNvPr id="6" name="Rectángulo 5">
+            <a:extLst>
+              <a:ext uri="{FF2B5EF4-FFF2-40B4-BE49-F238E27FC236}">
+                <a16:creationId xmlns:a16="http://schemas.microsoft.com/office/drawing/2014/main" id="{FD5366DA-0AEB-493C-A8C7-1EED395FA62D}"/>
+              </a:ext>
+            </a:extLst>
+          </p:cNvPr>
+          <p:cNvSpPr/>
+          <p:nvPr/>
+        </p:nvSpPr>
+        <p:spPr>
+          <a:xfrm>
+            <a:off x="1770077" y="4966283"/>
+            <a:ext cx="9001387" cy="587229"/>
+          </a:xfrm>
+          <a:prstGeom prst="rect">
+            <a:avLst/>
+          </a:prstGeom>
+          <a:noFill/>
+          <a:ln>
+            <a:solidFill>
+              <a:srgbClr val="FF0000"/>
+            </a:solidFill>
+          </a:ln>
+        </p:spPr>
+        <p:style>
+          <a:lnRef idx="2">
+            <a:schemeClr val="accent1">
+              <a:shade val="50000"/>
+            </a:schemeClr>
+          </a:lnRef>
+          <a:fillRef idx="1">
+            <a:schemeClr val="accent1"/>
+          </a:fillRef>
+          <a:effectRef idx="0">
+            <a:schemeClr val="accent1"/>
+          </a:effectRef>
+          <a:fontRef idx="minor">
+            <a:schemeClr val="lt1"/>
+          </a:fontRef>
+        </p:style>
+        <p:txBody>
+          <a:bodyPr rtlCol="0" anchor="ctr"/>
+          <a:lstStyle/>
+          <a:p>
+            <a:pPr algn="ctr"/>
+            <a:endParaRPr lang="es-MX"/>
+          </a:p>
+        </p:txBody>
+      </p:sp>
+    </p:spTree>
+    <p:extLst>
+      <p:ext uri="{BB962C8B-B14F-4D97-AF65-F5344CB8AC3E}">
+        <p14:creationId xmlns:p14="http://schemas.microsoft.com/office/powerpoint/2010/main" val="2008293154"/>
+      </p:ext>
+    </p:extLst>
+  </p:cSld>
+  <p:clrMapOvr>
+    <a:masterClrMapping/>
+  </p:clrMapOvr>
+</p:sld>
+</file>
+
+<file path=ppt/slides/slide12.xml><?xml version="1.0" encoding="utf-8"?>
+<p:sld xmlns:a="http://schemas.openxmlformats.org/drawingml/2006/main" xmlns:r="http://schemas.openxmlformats.org/officeDocument/2006/relationships" xmlns:p="http://schemas.openxmlformats.org/presentationml/2006/main">
+  <p:cSld>
+    <p:spTree>
+      <p:nvGrpSpPr>
+        <p:cNvPr id="1" name=""/>
+        <p:cNvGrpSpPr/>
+        <p:nvPr/>
+      </p:nvGrpSpPr>
+      <p:grpSpPr>
+        <a:xfrm>
+          <a:off x="0" y="0"/>
+          <a:ext cx="0" cy="0"/>
+          <a:chOff x="0" y="0"/>
+          <a:chExt cx="0" cy="0"/>
+        </a:xfrm>
+      </p:grpSpPr>
+      <p:sp>
+        <p:nvSpPr>
+          <p:cNvPr id="2" name="Título 1">
+            <a:extLst>
+              <a:ext uri="{FF2B5EF4-FFF2-40B4-BE49-F238E27FC236}">
                 <a16:creationId xmlns:a16="http://schemas.microsoft.com/office/drawing/2014/main" id="{5BFFB626-6308-4A02-BFC7-3D93A923CE9C}"/>
               </a:ext>
             </a:extLst>
@@ -3837,7 +4061,7 @@
 </p:sld>
 </file>
 
-<file path=ppt/slides/slide12.xml><?xml version="1.0" encoding="utf-8"?>
+<file path=ppt/slides/slide13.xml><?xml version="1.0" encoding="utf-8"?>
 <p:sld xmlns:a="http://schemas.openxmlformats.org/drawingml/2006/main" xmlns:r="http://schemas.openxmlformats.org/officeDocument/2006/relationships" xmlns:p="http://schemas.openxmlformats.org/presentationml/2006/main">
   <p:cSld>
     <p:spTree>
@@ -3999,7 +4223,7 @@
 </p:sld>
 </file>
 
-<file path=ppt/slides/slide13.xml><?xml version="1.0" encoding="utf-8"?>
+<file path=ppt/slides/slide14.xml><?xml version="1.0" encoding="utf-8"?>
 <p:sld xmlns:a="http://schemas.openxmlformats.org/drawingml/2006/main" xmlns:r="http://schemas.openxmlformats.org/officeDocument/2006/relationships" xmlns:p="http://schemas.openxmlformats.org/presentationml/2006/main">
   <p:cSld>
     <p:spTree>
@@ -4109,7 +4333,7 @@
 </p:sld>
 </file>
 
-<file path=ppt/slides/slide14.xml><?xml version="1.0" encoding="utf-8"?>
+<file path=ppt/slides/slide15.xml><?xml version="1.0" encoding="utf-8"?>
 <p:sld xmlns:a="http://schemas.openxmlformats.org/drawingml/2006/main" xmlns:r="http://schemas.openxmlformats.org/officeDocument/2006/relationships" xmlns:p="http://schemas.openxmlformats.org/presentationml/2006/main">
   <p:cSld>
     <p:spTree>
@@ -4219,7 +4443,90 @@
 </p:sld>
 </file>
 
-<file path=ppt/slides/slide15.xml><?xml version="1.0" encoding="utf-8"?>
+<file path=ppt/slides/slide16.xml><?xml version="1.0" encoding="utf-8"?>
+<p:sld xmlns:a="http://schemas.openxmlformats.org/drawingml/2006/main" xmlns:r="http://schemas.openxmlformats.org/officeDocument/2006/relationships" xmlns:p="http://schemas.openxmlformats.org/presentationml/2006/main">
+  <p:cSld>
+    <p:spTree>
+      <p:nvGrpSpPr>
+        <p:cNvPr id="1" name=""/>
+        <p:cNvGrpSpPr/>
+        <p:nvPr/>
+      </p:nvGrpSpPr>
+      <p:grpSpPr>
+        <a:xfrm>
+          <a:off x="0" y="0"/>
+          <a:ext cx="0" cy="0"/>
+          <a:chOff x="0" y="0"/>
+          <a:chExt cx="0" cy="0"/>
+        </a:xfrm>
+      </p:grpSpPr>
+      <p:sp>
+        <p:nvSpPr>
+          <p:cNvPr id="4" name="Título 3">
+            <a:extLst>
+              <a:ext uri="{FF2B5EF4-FFF2-40B4-BE49-F238E27FC236}">
+                <a16:creationId xmlns:a16="http://schemas.microsoft.com/office/drawing/2014/main" id="{B460B266-1A5A-455D-AB68-B9575AE8E41B}"/>
+              </a:ext>
+            </a:extLst>
+          </p:cNvPr>
+          <p:cNvSpPr>
+            <a:spLocks noGrp="1"/>
+          </p:cNvSpPr>
+          <p:nvPr>
+            <p:ph type="ctrTitle"/>
+          </p:nvPr>
+        </p:nvSpPr>
+        <p:spPr/>
+        <p:txBody>
+          <a:bodyPr/>
+          <a:lstStyle/>
+          <a:p>
+            <a:r>
+              <a:rPr lang="es-MX" dirty="0"/>
+              <a:t>China</a:t>
+            </a:r>
+          </a:p>
+        </p:txBody>
+      </p:sp>
+      <p:sp>
+        <p:nvSpPr>
+          <p:cNvPr id="5" name="Subtítulo 4">
+            <a:extLst>
+              <a:ext uri="{FF2B5EF4-FFF2-40B4-BE49-F238E27FC236}">
+                <a16:creationId xmlns:a16="http://schemas.microsoft.com/office/drawing/2014/main" id="{45BDE5BA-B3BE-402D-BB7D-E15B51DBC1CB}"/>
+              </a:ext>
+            </a:extLst>
+          </p:cNvPr>
+          <p:cNvSpPr>
+            <a:spLocks noGrp="1"/>
+          </p:cNvSpPr>
+          <p:nvPr>
+            <p:ph type="subTitle" idx="1"/>
+          </p:nvPr>
+        </p:nvSpPr>
+        <p:spPr/>
+        <p:txBody>
+          <a:bodyPr/>
+          <a:lstStyle/>
+          <a:p>
+            <a:endParaRPr lang="es-MX"/>
+          </a:p>
+        </p:txBody>
+      </p:sp>
+    </p:spTree>
+    <p:extLst>
+      <p:ext uri="{BB962C8B-B14F-4D97-AF65-F5344CB8AC3E}">
+        <p14:creationId xmlns:p14="http://schemas.microsoft.com/office/powerpoint/2010/main" val="1173122344"/>
+      </p:ext>
+    </p:extLst>
+  </p:cSld>
+  <p:clrMapOvr>
+    <a:masterClrMapping/>
+  </p:clrMapOvr>
+</p:sld>
+</file>
+
+<file path=ppt/slides/slide17.xml><?xml version="1.0" encoding="utf-8"?>
 <p:sld xmlns:a="http://schemas.openxmlformats.org/drawingml/2006/main" xmlns:r="http://schemas.openxmlformats.org/officeDocument/2006/relationships" xmlns:p="http://schemas.openxmlformats.org/presentationml/2006/main">
   <p:cSld>
     <p:spTree>
@@ -4329,7 +4636,7 @@
 </p:sld>
 </file>
 
-<file path=ppt/slides/slide16.xml><?xml version="1.0" encoding="utf-8"?>
+<file path=ppt/slides/slide18.xml><?xml version="1.0" encoding="utf-8"?>
 <p:sld xmlns:a="http://schemas.openxmlformats.org/drawingml/2006/main" xmlns:r="http://schemas.openxmlformats.org/officeDocument/2006/relationships" xmlns:p="http://schemas.openxmlformats.org/presentationml/2006/main">
   <p:cSld>
     <p:spTree>
@@ -4439,7 +4746,7 @@
 </p:sld>
 </file>
 
-<file path=ppt/slides/slide17.xml><?xml version="1.0" encoding="utf-8"?>
+<file path=ppt/slides/slide19.xml><?xml version="1.0" encoding="utf-8"?>
 <p:sld xmlns:a="http://schemas.openxmlformats.org/drawingml/2006/main" xmlns:r="http://schemas.openxmlformats.org/officeDocument/2006/relationships" xmlns:p="http://schemas.openxmlformats.org/presentationml/2006/main">
   <p:cSld>
     <p:spTree>
@@ -4458,43 +4765,51 @@
       </p:grpSpPr>
       <p:sp>
         <p:nvSpPr>
-          <p:cNvPr id="2" name="Título 1">
-            <a:extLst>
-              <a:ext uri="{FF2B5EF4-FFF2-40B4-BE49-F238E27FC236}">
-                <a16:creationId xmlns:a16="http://schemas.microsoft.com/office/drawing/2014/main" id="{878E0B07-0E77-4E4B-8369-3B1734BF1EE1}"/>
-              </a:ext>
-            </a:extLst>
-          </p:cNvPr>
-          <p:cNvSpPr>
-            <a:spLocks noGrp="1"/>
-          </p:cNvSpPr>
-          <p:nvPr>
-            <p:ph type="title"/>
-          </p:nvPr>
-        </p:nvSpPr>
-        <p:spPr/>
-        <p:txBody>
-          <a:bodyPr/>
-          <a:lstStyle/>
-          <a:p>
-            <a:endParaRPr lang="es-MX"/>
-          </a:p>
-        </p:txBody>
-      </p:sp>
-      <p:sp>
-        <p:nvSpPr>
-          <p:cNvPr id="3" name="Marcador de contenido 2">
-            <a:extLst>
-              <a:ext uri="{FF2B5EF4-FFF2-40B4-BE49-F238E27FC236}">
-                <a16:creationId xmlns:a16="http://schemas.microsoft.com/office/drawing/2014/main" id="{26570A7C-D326-402C-8D8C-22CC46EEC3D6}"/>
-              </a:ext>
-            </a:extLst>
-          </p:cNvPr>
-          <p:cNvSpPr>
-            <a:spLocks noGrp="1"/>
-          </p:cNvSpPr>
-          <p:nvPr>
-            <p:ph idx="1"/>
+          <p:cNvPr id="4" name="Título 3">
+            <a:extLst>
+              <a:ext uri="{FF2B5EF4-FFF2-40B4-BE49-F238E27FC236}">
+                <a16:creationId xmlns:a16="http://schemas.microsoft.com/office/drawing/2014/main" id="{B460B266-1A5A-455D-AB68-B9575AE8E41B}"/>
+              </a:ext>
+            </a:extLst>
+          </p:cNvPr>
+          <p:cNvSpPr>
+            <a:spLocks noGrp="1"/>
+          </p:cNvSpPr>
+          <p:nvPr>
+            <p:ph type="ctrTitle"/>
+          </p:nvPr>
+        </p:nvSpPr>
+        <p:spPr/>
+        <p:txBody>
+          <a:bodyPr/>
+          <a:lstStyle/>
+          <a:p>
+            <a:r>
+              <a:rPr lang="es-MX" dirty="0"/>
+              <a:t>Eastern </a:t>
+            </a:r>
+            <a:r>
+              <a:rPr lang="es-MX" dirty="0" err="1"/>
+              <a:t>Countries</a:t>
+            </a:r>
+            <a:endParaRPr lang="es-MX" dirty="0"/>
+          </a:p>
+        </p:txBody>
+      </p:sp>
+      <p:sp>
+        <p:nvSpPr>
+          <p:cNvPr id="5" name="Subtítulo 4">
+            <a:extLst>
+              <a:ext uri="{FF2B5EF4-FFF2-40B4-BE49-F238E27FC236}">
+                <a16:creationId xmlns:a16="http://schemas.microsoft.com/office/drawing/2014/main" id="{45BDE5BA-B3BE-402D-BB7D-E15B51DBC1CB}"/>
+              </a:ext>
+            </a:extLst>
+          </p:cNvPr>
+          <p:cNvSpPr>
+            <a:spLocks noGrp="1"/>
+          </p:cNvSpPr>
+          <p:nvPr>
+            <p:ph type="subTitle" idx="1"/>
           </p:nvPr>
         </p:nvSpPr>
         <p:spPr/>
@@ -4509,7 +4824,7 @@
     </p:spTree>
     <p:extLst>
       <p:ext uri="{BB962C8B-B14F-4D97-AF65-F5344CB8AC3E}">
-        <p14:creationId xmlns:p14="http://schemas.microsoft.com/office/powerpoint/2010/main" val="3719357560"/>
+        <p14:creationId xmlns:p14="http://schemas.microsoft.com/office/powerpoint/2010/main" val="1636980527"/>
       </p:ext>
     </p:extLst>
   </p:cSld>
@@ -4600,6 +4915,314 @@
     <p:extLst>
       <p:ext uri="{BB962C8B-B14F-4D97-AF65-F5344CB8AC3E}">
         <p14:creationId xmlns:p14="http://schemas.microsoft.com/office/powerpoint/2010/main" val="4190807865"/>
+      </p:ext>
+    </p:extLst>
+  </p:cSld>
+  <p:clrMapOvr>
+    <a:masterClrMapping/>
+  </p:clrMapOvr>
+</p:sld>
+</file>
+
+<file path=ppt/slides/slide20.xml><?xml version="1.0" encoding="utf-8"?>
+<p:sld xmlns:a="http://schemas.openxmlformats.org/drawingml/2006/main" xmlns:r="http://schemas.openxmlformats.org/officeDocument/2006/relationships" xmlns:p="http://schemas.openxmlformats.org/presentationml/2006/main">
+  <p:cSld>
+    <p:spTree>
+      <p:nvGrpSpPr>
+        <p:cNvPr id="1" name=""/>
+        <p:cNvGrpSpPr/>
+        <p:nvPr/>
+      </p:nvGrpSpPr>
+      <p:grpSpPr>
+        <a:xfrm>
+          <a:off x="0" y="0"/>
+          <a:ext cx="0" cy="0"/>
+          <a:chOff x="0" y="0"/>
+          <a:chExt cx="0" cy="0"/>
+        </a:xfrm>
+      </p:grpSpPr>
+      <p:sp>
+        <p:nvSpPr>
+          <p:cNvPr id="2" name="Título 1">
+            <a:extLst>
+              <a:ext uri="{FF2B5EF4-FFF2-40B4-BE49-F238E27FC236}">
+                <a16:creationId xmlns:a16="http://schemas.microsoft.com/office/drawing/2014/main" id="{878E0B07-0E77-4E4B-8369-3B1734BF1EE1}"/>
+              </a:ext>
+            </a:extLst>
+          </p:cNvPr>
+          <p:cNvSpPr>
+            <a:spLocks noGrp="1"/>
+          </p:cNvSpPr>
+          <p:nvPr>
+            <p:ph type="title"/>
+          </p:nvPr>
+        </p:nvSpPr>
+        <p:spPr/>
+        <p:txBody>
+          <a:bodyPr/>
+          <a:lstStyle/>
+          <a:p>
+            <a:endParaRPr lang="es-MX"/>
+          </a:p>
+        </p:txBody>
+      </p:sp>
+      <p:sp>
+        <p:nvSpPr>
+          <p:cNvPr id="3" name="Marcador de contenido 2">
+            <a:extLst>
+              <a:ext uri="{FF2B5EF4-FFF2-40B4-BE49-F238E27FC236}">
+                <a16:creationId xmlns:a16="http://schemas.microsoft.com/office/drawing/2014/main" id="{26570A7C-D326-402C-8D8C-22CC46EEC3D6}"/>
+              </a:ext>
+            </a:extLst>
+          </p:cNvPr>
+          <p:cNvSpPr>
+            <a:spLocks noGrp="1"/>
+          </p:cNvSpPr>
+          <p:nvPr>
+            <p:ph idx="1"/>
+          </p:nvPr>
+        </p:nvSpPr>
+        <p:spPr/>
+        <p:txBody>
+          <a:bodyPr/>
+          <a:lstStyle/>
+          <a:p>
+            <a:endParaRPr lang="es-MX"/>
+          </a:p>
+        </p:txBody>
+      </p:sp>
+      <p:pic>
+        <p:nvPicPr>
+          <p:cNvPr id="4" name="Imagen 3">
+            <a:extLst>
+              <a:ext uri="{FF2B5EF4-FFF2-40B4-BE49-F238E27FC236}">
+                <a16:creationId xmlns:a16="http://schemas.microsoft.com/office/drawing/2014/main" id="{4028D18B-60D4-428E-874A-BD9219760F90}"/>
+              </a:ext>
+            </a:extLst>
+          </p:cNvPr>
+          <p:cNvPicPr>
+            <a:picLocks noChangeAspect="1"/>
+          </p:cNvPicPr>
+          <p:nvPr/>
+        </p:nvPicPr>
+        <p:blipFill>
+          <a:blip r:embed="rId2"/>
+          <a:stretch>
+            <a:fillRect/>
+          </a:stretch>
+        </p:blipFill>
+        <p:spPr>
+          <a:xfrm>
+            <a:off x="570976" y="0"/>
+            <a:ext cx="11050047" cy="6858000"/>
+          </a:xfrm>
+          <a:prstGeom prst="rect">
+            <a:avLst/>
+          </a:prstGeom>
+        </p:spPr>
+      </p:pic>
+    </p:spTree>
+    <p:extLst>
+      <p:ext uri="{BB962C8B-B14F-4D97-AF65-F5344CB8AC3E}">
+        <p14:creationId xmlns:p14="http://schemas.microsoft.com/office/powerpoint/2010/main" val="3719357560"/>
+      </p:ext>
+    </p:extLst>
+  </p:cSld>
+  <p:clrMapOvr>
+    <a:masterClrMapping/>
+  </p:clrMapOvr>
+</p:sld>
+</file>
+
+<file path=ppt/slides/slide21.xml><?xml version="1.0" encoding="utf-8"?>
+<p:sld xmlns:a="http://schemas.openxmlformats.org/drawingml/2006/main" xmlns:r="http://schemas.openxmlformats.org/officeDocument/2006/relationships" xmlns:p="http://schemas.openxmlformats.org/presentationml/2006/main">
+  <p:cSld>
+    <p:spTree>
+      <p:nvGrpSpPr>
+        <p:cNvPr id="1" name=""/>
+        <p:cNvGrpSpPr/>
+        <p:nvPr/>
+      </p:nvGrpSpPr>
+      <p:grpSpPr>
+        <a:xfrm>
+          <a:off x="0" y="0"/>
+          <a:ext cx="0" cy="0"/>
+          <a:chOff x="0" y="0"/>
+          <a:chExt cx="0" cy="0"/>
+        </a:xfrm>
+      </p:grpSpPr>
+      <p:sp>
+        <p:nvSpPr>
+          <p:cNvPr id="4" name="Título 3">
+            <a:extLst>
+              <a:ext uri="{FF2B5EF4-FFF2-40B4-BE49-F238E27FC236}">
+                <a16:creationId xmlns:a16="http://schemas.microsoft.com/office/drawing/2014/main" id="{B460B266-1A5A-455D-AB68-B9575AE8E41B}"/>
+              </a:ext>
+            </a:extLst>
+          </p:cNvPr>
+          <p:cNvSpPr>
+            <a:spLocks noGrp="1"/>
+          </p:cNvSpPr>
+          <p:nvPr>
+            <p:ph type="ctrTitle"/>
+          </p:nvPr>
+        </p:nvSpPr>
+        <p:spPr/>
+        <p:txBody>
+          <a:bodyPr/>
+          <a:lstStyle/>
+          <a:p>
+            <a:r>
+              <a:rPr lang="es-MX" dirty="0"/>
+              <a:t>Washington </a:t>
+            </a:r>
+            <a:r>
+              <a:rPr lang="es-MX" dirty="0" err="1"/>
+              <a:t>State</a:t>
+            </a:r>
+            <a:endParaRPr lang="es-MX" dirty="0"/>
+          </a:p>
+        </p:txBody>
+      </p:sp>
+      <p:sp>
+        <p:nvSpPr>
+          <p:cNvPr id="5" name="Subtítulo 4">
+            <a:extLst>
+              <a:ext uri="{FF2B5EF4-FFF2-40B4-BE49-F238E27FC236}">
+                <a16:creationId xmlns:a16="http://schemas.microsoft.com/office/drawing/2014/main" id="{45BDE5BA-B3BE-402D-BB7D-E15B51DBC1CB}"/>
+              </a:ext>
+            </a:extLst>
+          </p:cNvPr>
+          <p:cNvSpPr>
+            <a:spLocks noGrp="1"/>
+          </p:cNvSpPr>
+          <p:nvPr>
+            <p:ph type="subTitle" idx="1"/>
+          </p:nvPr>
+        </p:nvSpPr>
+        <p:spPr/>
+        <p:txBody>
+          <a:bodyPr/>
+          <a:lstStyle/>
+          <a:p>
+            <a:endParaRPr lang="es-MX"/>
+          </a:p>
+        </p:txBody>
+      </p:sp>
+    </p:spTree>
+    <p:extLst>
+      <p:ext uri="{BB962C8B-B14F-4D97-AF65-F5344CB8AC3E}">
+        <p14:creationId xmlns:p14="http://schemas.microsoft.com/office/powerpoint/2010/main" val="2046494948"/>
+      </p:ext>
+    </p:extLst>
+  </p:cSld>
+  <p:clrMapOvr>
+    <a:masterClrMapping/>
+  </p:clrMapOvr>
+</p:sld>
+</file>
+
+<file path=ppt/slides/slide22.xml><?xml version="1.0" encoding="utf-8"?>
+<p:sld xmlns:a="http://schemas.openxmlformats.org/drawingml/2006/main" xmlns:r="http://schemas.openxmlformats.org/officeDocument/2006/relationships" xmlns:p="http://schemas.openxmlformats.org/presentationml/2006/main">
+  <p:cSld>
+    <p:spTree>
+      <p:nvGrpSpPr>
+        <p:cNvPr id="1" name=""/>
+        <p:cNvGrpSpPr/>
+        <p:nvPr/>
+      </p:nvGrpSpPr>
+      <p:grpSpPr>
+        <a:xfrm>
+          <a:off x="0" y="0"/>
+          <a:ext cx="0" cy="0"/>
+          <a:chOff x="0" y="0"/>
+          <a:chExt cx="0" cy="0"/>
+        </a:xfrm>
+      </p:grpSpPr>
+      <p:sp>
+        <p:nvSpPr>
+          <p:cNvPr id="2" name="Título 1">
+            <a:extLst>
+              <a:ext uri="{FF2B5EF4-FFF2-40B4-BE49-F238E27FC236}">
+                <a16:creationId xmlns:a16="http://schemas.microsoft.com/office/drawing/2014/main" id="{27169751-E090-4C3E-A8F0-7F4613100B84}"/>
+              </a:ext>
+            </a:extLst>
+          </p:cNvPr>
+          <p:cNvSpPr>
+            <a:spLocks noGrp="1"/>
+          </p:cNvSpPr>
+          <p:nvPr>
+            <p:ph type="title"/>
+          </p:nvPr>
+        </p:nvSpPr>
+        <p:spPr/>
+        <p:txBody>
+          <a:bodyPr/>
+          <a:lstStyle/>
+          <a:p>
+            <a:endParaRPr lang="es-MX"/>
+          </a:p>
+        </p:txBody>
+      </p:sp>
+      <p:sp>
+        <p:nvSpPr>
+          <p:cNvPr id="3" name="Marcador de contenido 2">
+            <a:extLst>
+              <a:ext uri="{FF2B5EF4-FFF2-40B4-BE49-F238E27FC236}">
+                <a16:creationId xmlns:a16="http://schemas.microsoft.com/office/drawing/2014/main" id="{9A9C51F8-F552-4E11-BFC1-03D95334DE13}"/>
+              </a:ext>
+            </a:extLst>
+          </p:cNvPr>
+          <p:cNvSpPr>
+            <a:spLocks noGrp="1"/>
+          </p:cNvSpPr>
+          <p:nvPr>
+            <p:ph idx="1"/>
+          </p:nvPr>
+        </p:nvSpPr>
+        <p:spPr/>
+        <p:txBody>
+          <a:bodyPr/>
+          <a:lstStyle/>
+          <a:p>
+            <a:endParaRPr lang="es-MX"/>
+          </a:p>
+        </p:txBody>
+      </p:sp>
+      <p:pic>
+        <p:nvPicPr>
+          <p:cNvPr id="4" name="Imagen 3">
+            <a:extLst>
+              <a:ext uri="{FF2B5EF4-FFF2-40B4-BE49-F238E27FC236}">
+                <a16:creationId xmlns:a16="http://schemas.microsoft.com/office/drawing/2014/main" id="{F13A5758-98AB-4346-AD5F-D33F8D9A3B5F}"/>
+              </a:ext>
+            </a:extLst>
+          </p:cNvPr>
+          <p:cNvPicPr>
+            <a:picLocks noChangeAspect="1"/>
+          </p:cNvPicPr>
+          <p:nvPr/>
+        </p:nvPicPr>
+        <p:blipFill>
+          <a:blip r:embed="rId2"/>
+          <a:stretch>
+            <a:fillRect/>
+          </a:stretch>
+        </p:blipFill>
+        <p:spPr>
+          <a:xfrm>
+            <a:off x="2800350" y="1400175"/>
+            <a:ext cx="6591300" cy="4057650"/>
+          </a:xfrm>
+          <a:prstGeom prst="rect">
+            <a:avLst/>
+          </a:prstGeom>
+        </p:spPr>
+      </p:pic>
+    </p:spTree>
+    <p:extLst>
+      <p:ext uri="{BB962C8B-B14F-4D97-AF65-F5344CB8AC3E}">
+        <p14:creationId xmlns:p14="http://schemas.microsoft.com/office/powerpoint/2010/main" val="692760966"/>
       </p:ext>
     </p:extLst>
   </p:cSld>

--- a/JeanPiaget/2019-2020/Cuarentena/Quinto - Clases Remotas/3-RevisionArticulo-HowManyCases.pptx
+++ b/JeanPiaget/2019-2020/Cuarentena/Quinto - Clases Remotas/3-RevisionArticulo-HowManyCases.pptx
@@ -6,27 +6,35 @@
   </p:sldMasterIdLst>
   <p:sldIdLst>
     <p:sldId id="256" r:id="rId2"/>
-    <p:sldId id="257" r:id="rId3"/>
+    <p:sldId id="279" r:id="rId3"/>
     <p:sldId id="259" r:id="rId4"/>
     <p:sldId id="261" r:id="rId5"/>
     <p:sldId id="262" r:id="rId6"/>
     <p:sldId id="260" r:id="rId7"/>
     <p:sldId id="264" r:id="rId8"/>
-    <p:sldId id="265" r:id="rId9"/>
-    <p:sldId id="266" r:id="rId10"/>
-    <p:sldId id="272" r:id="rId11"/>
-    <p:sldId id="274" r:id="rId12"/>
-    <p:sldId id="267" r:id="rId13"/>
-    <p:sldId id="273" r:id="rId14"/>
-    <p:sldId id="269" r:id="rId15"/>
-    <p:sldId id="270" r:id="rId16"/>
-    <p:sldId id="275" r:id="rId17"/>
-    <p:sldId id="268" r:id="rId18"/>
-    <p:sldId id="271" r:id="rId19"/>
-    <p:sldId id="276" r:id="rId20"/>
-    <p:sldId id="263" r:id="rId21"/>
-    <p:sldId id="278" r:id="rId22"/>
-    <p:sldId id="277" r:id="rId23"/>
+    <p:sldId id="280" r:id="rId9"/>
+    <p:sldId id="281" r:id="rId10"/>
+    <p:sldId id="265" r:id="rId11"/>
+    <p:sldId id="282" r:id="rId12"/>
+    <p:sldId id="266" r:id="rId13"/>
+    <p:sldId id="272" r:id="rId14"/>
+    <p:sldId id="274" r:id="rId15"/>
+    <p:sldId id="267" r:id="rId16"/>
+    <p:sldId id="273" r:id="rId17"/>
+    <p:sldId id="269" r:id="rId18"/>
+    <p:sldId id="270" r:id="rId19"/>
+    <p:sldId id="275" r:id="rId20"/>
+    <p:sldId id="268" r:id="rId21"/>
+    <p:sldId id="283" r:id="rId22"/>
+    <p:sldId id="284" r:id="rId23"/>
+    <p:sldId id="271" r:id="rId24"/>
+    <p:sldId id="276" r:id="rId25"/>
+    <p:sldId id="263" r:id="rId26"/>
+    <p:sldId id="278" r:id="rId27"/>
+    <p:sldId id="286" r:id="rId28"/>
+    <p:sldId id="287" r:id="rId29"/>
+    <p:sldId id="285" r:id="rId30"/>
+    <p:sldId id="288" r:id="rId31"/>
   </p:sldIdLst>
   <p:sldSz cx="12192000" cy="6858000"/>
   <p:notesSz cx="6858000" cy="9144000"/>
@@ -282,7 +290,7 @@
           <a:p>
             <a:fld id="{48A39240-3A3E-46DA-B4DA-9D21833AE8F2}" type="datetimeFigureOut">
               <a:rPr lang="es-MX" smtClean="0"/>
-              <a:t>24/03/2020</a:t>
+              <a:t>26/03/2020</a:t>
             </a:fld>
             <a:endParaRPr lang="es-MX"/>
           </a:p>
@@ -482,7 +490,7 @@
           <a:p>
             <a:fld id="{48A39240-3A3E-46DA-B4DA-9D21833AE8F2}" type="datetimeFigureOut">
               <a:rPr lang="es-MX" smtClean="0"/>
-              <a:t>24/03/2020</a:t>
+              <a:t>26/03/2020</a:t>
             </a:fld>
             <a:endParaRPr lang="es-MX"/>
           </a:p>
@@ -692,7 +700,7 @@
           <a:p>
             <a:fld id="{48A39240-3A3E-46DA-B4DA-9D21833AE8F2}" type="datetimeFigureOut">
               <a:rPr lang="es-MX" smtClean="0"/>
-              <a:t>24/03/2020</a:t>
+              <a:t>26/03/2020</a:t>
             </a:fld>
             <a:endParaRPr lang="es-MX"/>
           </a:p>
@@ -892,7 +900,7 @@
           <a:p>
             <a:fld id="{48A39240-3A3E-46DA-B4DA-9D21833AE8F2}" type="datetimeFigureOut">
               <a:rPr lang="es-MX" smtClean="0"/>
-              <a:t>24/03/2020</a:t>
+              <a:t>26/03/2020</a:t>
             </a:fld>
             <a:endParaRPr lang="es-MX"/>
           </a:p>
@@ -1168,7 +1176,7 @@
           <a:p>
             <a:fld id="{48A39240-3A3E-46DA-B4DA-9D21833AE8F2}" type="datetimeFigureOut">
               <a:rPr lang="es-MX" smtClean="0"/>
-              <a:t>24/03/2020</a:t>
+              <a:t>26/03/2020</a:t>
             </a:fld>
             <a:endParaRPr lang="es-MX"/>
           </a:p>
@@ -1436,7 +1444,7 @@
           <a:p>
             <a:fld id="{48A39240-3A3E-46DA-B4DA-9D21833AE8F2}" type="datetimeFigureOut">
               <a:rPr lang="es-MX" smtClean="0"/>
-              <a:t>24/03/2020</a:t>
+              <a:t>26/03/2020</a:t>
             </a:fld>
             <a:endParaRPr lang="es-MX"/>
           </a:p>
@@ -1851,7 +1859,7 @@
           <a:p>
             <a:fld id="{48A39240-3A3E-46DA-B4DA-9D21833AE8F2}" type="datetimeFigureOut">
               <a:rPr lang="es-MX" smtClean="0"/>
-              <a:t>24/03/2020</a:t>
+              <a:t>26/03/2020</a:t>
             </a:fld>
             <a:endParaRPr lang="es-MX"/>
           </a:p>
@@ -1993,7 +2001,7 @@
           <a:p>
             <a:fld id="{48A39240-3A3E-46DA-B4DA-9D21833AE8F2}" type="datetimeFigureOut">
               <a:rPr lang="es-MX" smtClean="0"/>
-              <a:t>24/03/2020</a:t>
+              <a:t>26/03/2020</a:t>
             </a:fld>
             <a:endParaRPr lang="es-MX"/>
           </a:p>
@@ -2106,7 +2114,7 @@
           <a:p>
             <a:fld id="{48A39240-3A3E-46DA-B4DA-9D21833AE8F2}" type="datetimeFigureOut">
               <a:rPr lang="es-MX" smtClean="0"/>
-              <a:t>24/03/2020</a:t>
+              <a:t>26/03/2020</a:t>
             </a:fld>
             <a:endParaRPr lang="es-MX"/>
           </a:p>
@@ -2419,7 +2427,7 @@
           <a:p>
             <a:fld id="{48A39240-3A3E-46DA-B4DA-9D21833AE8F2}" type="datetimeFigureOut">
               <a:rPr lang="es-MX" smtClean="0"/>
-              <a:t>24/03/2020</a:t>
+              <a:t>26/03/2020</a:t>
             </a:fld>
             <a:endParaRPr lang="es-MX"/>
           </a:p>
@@ -2708,7 +2716,7 @@
           <a:p>
             <a:fld id="{48A39240-3A3E-46DA-B4DA-9D21833AE8F2}" type="datetimeFigureOut">
               <a:rPr lang="es-MX" smtClean="0"/>
-              <a:t>24/03/2020</a:t>
+              <a:t>26/03/2020</a:t>
             </a:fld>
             <a:endParaRPr lang="es-MX"/>
           </a:p>
@@ -2951,7 +2959,7 @@
           <a:p>
             <a:fld id="{48A39240-3A3E-46DA-B4DA-9D21833AE8F2}" type="datetimeFigureOut">
               <a:rPr lang="es-MX" smtClean="0"/>
-              <a:t>24/03/2020</a:t>
+              <a:t>26/03/2020</a:t>
             </a:fld>
             <a:endParaRPr lang="es-MX"/>
           </a:p>
@@ -3597,6 +3605,412 @@
           <p:cNvPr id="2" name="Título 1">
             <a:extLst>
               <a:ext uri="{FF2B5EF4-FFF2-40B4-BE49-F238E27FC236}">
+                <a16:creationId xmlns:a16="http://schemas.microsoft.com/office/drawing/2014/main" id="{01A20CEC-C8E4-45CB-B7BA-6E2B86DFA76D}"/>
+              </a:ext>
+            </a:extLst>
+          </p:cNvPr>
+          <p:cNvSpPr>
+            <a:spLocks noGrp="1"/>
+          </p:cNvSpPr>
+          <p:nvPr>
+            <p:ph type="title"/>
+          </p:nvPr>
+        </p:nvSpPr>
+        <p:spPr/>
+        <p:txBody>
+          <a:bodyPr/>
+          <a:lstStyle/>
+          <a:p>
+            <a:endParaRPr lang="es-MX"/>
+          </a:p>
+        </p:txBody>
+      </p:sp>
+      <p:sp>
+        <p:nvSpPr>
+          <p:cNvPr id="3" name="Marcador de contenido 2">
+            <a:extLst>
+              <a:ext uri="{FF2B5EF4-FFF2-40B4-BE49-F238E27FC236}">
+                <a16:creationId xmlns:a16="http://schemas.microsoft.com/office/drawing/2014/main" id="{D6868E22-BAA6-4274-A424-C0750EB8434B}"/>
+              </a:ext>
+            </a:extLst>
+          </p:cNvPr>
+          <p:cNvSpPr>
+            <a:spLocks noGrp="1"/>
+          </p:cNvSpPr>
+          <p:nvPr>
+            <p:ph idx="1"/>
+          </p:nvPr>
+        </p:nvSpPr>
+        <p:spPr/>
+        <p:txBody>
+          <a:bodyPr/>
+          <a:lstStyle/>
+          <a:p>
+            <a:endParaRPr lang="es-MX"/>
+          </a:p>
+        </p:txBody>
+      </p:sp>
+      <p:pic>
+        <p:nvPicPr>
+          <p:cNvPr id="4" name="Imagen 3">
+            <a:extLst>
+              <a:ext uri="{FF2B5EF4-FFF2-40B4-BE49-F238E27FC236}">
+                <a16:creationId xmlns:a16="http://schemas.microsoft.com/office/drawing/2014/main" id="{5878A147-2FE3-4DCE-8FD5-C5AD1AABA83D}"/>
+              </a:ext>
+            </a:extLst>
+          </p:cNvPr>
+          <p:cNvPicPr>
+            <a:picLocks noChangeAspect="1"/>
+          </p:cNvPicPr>
+          <p:nvPr/>
+        </p:nvPicPr>
+        <p:blipFill>
+          <a:blip r:embed="rId2"/>
+          <a:stretch>
+            <a:fillRect/>
+          </a:stretch>
+        </p:blipFill>
+        <p:spPr>
+          <a:xfrm>
+            <a:off x="970413" y="259597"/>
+            <a:ext cx="10245667" cy="6362943"/>
+          </a:xfrm>
+          <a:prstGeom prst="rect">
+            <a:avLst/>
+          </a:prstGeom>
+        </p:spPr>
+      </p:pic>
+    </p:spTree>
+    <p:extLst>
+      <p:ext uri="{BB962C8B-B14F-4D97-AF65-F5344CB8AC3E}">
+        <p14:creationId xmlns:p14="http://schemas.microsoft.com/office/powerpoint/2010/main" val="1448497159"/>
+      </p:ext>
+    </p:extLst>
+  </p:cSld>
+  <p:clrMapOvr>
+    <a:masterClrMapping/>
+  </p:clrMapOvr>
+</p:sld>
+</file>
+
+<file path=ppt/slides/slide11.xml><?xml version="1.0" encoding="utf-8"?>
+<p:sld xmlns:a="http://schemas.openxmlformats.org/drawingml/2006/main" xmlns:r="http://schemas.openxmlformats.org/officeDocument/2006/relationships" xmlns:p="http://schemas.openxmlformats.org/presentationml/2006/main">
+  <p:cSld>
+    <p:spTree>
+      <p:nvGrpSpPr>
+        <p:cNvPr id="1" name=""/>
+        <p:cNvGrpSpPr/>
+        <p:nvPr/>
+      </p:nvGrpSpPr>
+      <p:grpSpPr>
+        <a:xfrm>
+          <a:off x="0" y="0"/>
+          <a:ext cx="0" cy="0"/>
+          <a:chOff x="0" y="0"/>
+          <a:chExt cx="0" cy="0"/>
+        </a:xfrm>
+      </p:grpSpPr>
+      <p:sp>
+        <p:nvSpPr>
+          <p:cNvPr id="2" name="Título 1">
+            <a:extLst>
+              <a:ext uri="{FF2B5EF4-FFF2-40B4-BE49-F238E27FC236}">
+                <a16:creationId xmlns:a16="http://schemas.microsoft.com/office/drawing/2014/main" id="{01A20CEC-C8E4-45CB-B7BA-6E2B86DFA76D}"/>
+              </a:ext>
+            </a:extLst>
+          </p:cNvPr>
+          <p:cNvSpPr>
+            <a:spLocks noGrp="1"/>
+          </p:cNvSpPr>
+          <p:nvPr>
+            <p:ph type="title"/>
+          </p:nvPr>
+        </p:nvSpPr>
+        <p:spPr/>
+        <p:txBody>
+          <a:bodyPr/>
+          <a:lstStyle/>
+          <a:p>
+            <a:endParaRPr lang="es-MX"/>
+          </a:p>
+        </p:txBody>
+      </p:sp>
+      <p:sp>
+        <p:nvSpPr>
+          <p:cNvPr id="3" name="Marcador de contenido 2">
+            <a:extLst>
+              <a:ext uri="{FF2B5EF4-FFF2-40B4-BE49-F238E27FC236}">
+                <a16:creationId xmlns:a16="http://schemas.microsoft.com/office/drawing/2014/main" id="{D6868E22-BAA6-4274-A424-C0750EB8434B}"/>
+              </a:ext>
+            </a:extLst>
+          </p:cNvPr>
+          <p:cNvSpPr>
+            <a:spLocks noGrp="1"/>
+          </p:cNvSpPr>
+          <p:nvPr>
+            <p:ph idx="1"/>
+          </p:nvPr>
+        </p:nvSpPr>
+        <p:spPr/>
+        <p:txBody>
+          <a:bodyPr/>
+          <a:lstStyle/>
+          <a:p>
+            <a:endParaRPr lang="es-MX"/>
+          </a:p>
+        </p:txBody>
+      </p:sp>
+      <p:pic>
+        <p:nvPicPr>
+          <p:cNvPr id="4" name="Imagen 3">
+            <a:extLst>
+              <a:ext uri="{FF2B5EF4-FFF2-40B4-BE49-F238E27FC236}">
+                <a16:creationId xmlns:a16="http://schemas.microsoft.com/office/drawing/2014/main" id="{5878A147-2FE3-4DCE-8FD5-C5AD1AABA83D}"/>
+              </a:ext>
+            </a:extLst>
+          </p:cNvPr>
+          <p:cNvPicPr>
+            <a:picLocks noChangeAspect="1"/>
+          </p:cNvPicPr>
+          <p:nvPr/>
+        </p:nvPicPr>
+        <p:blipFill>
+          <a:blip r:embed="rId2"/>
+          <a:stretch>
+            <a:fillRect/>
+          </a:stretch>
+        </p:blipFill>
+        <p:spPr>
+          <a:xfrm>
+            <a:off x="970413" y="259597"/>
+            <a:ext cx="10245667" cy="6362943"/>
+          </a:xfrm>
+          <a:prstGeom prst="rect">
+            <a:avLst/>
+          </a:prstGeom>
+        </p:spPr>
+      </p:pic>
+      <p:cxnSp>
+        <p:nvCxnSpPr>
+          <p:cNvPr id="5" name="Conector recto 4">
+            <a:extLst>
+              <a:ext uri="{FF2B5EF4-FFF2-40B4-BE49-F238E27FC236}">
+                <a16:creationId xmlns:a16="http://schemas.microsoft.com/office/drawing/2014/main" id="{FB12E64A-5D50-46F5-981E-394871235D07}"/>
+              </a:ext>
+            </a:extLst>
+          </p:cNvPr>
+          <p:cNvCxnSpPr>
+            <a:cxnSpLocks/>
+          </p:cNvCxnSpPr>
+          <p:nvPr/>
+        </p:nvCxnSpPr>
+        <p:spPr>
+          <a:xfrm flipV="1">
+            <a:off x="10747513" y="2093843"/>
+            <a:ext cx="0" cy="3034748"/>
+          </a:xfrm>
+          <a:prstGeom prst="line">
+            <a:avLst/>
+          </a:prstGeom>
+        </p:spPr>
+        <p:style>
+          <a:lnRef idx="3">
+            <a:schemeClr val="accent2"/>
+          </a:lnRef>
+          <a:fillRef idx="0">
+            <a:schemeClr val="accent2"/>
+          </a:fillRef>
+          <a:effectRef idx="2">
+            <a:schemeClr val="accent2"/>
+          </a:effectRef>
+          <a:fontRef idx="minor">
+            <a:schemeClr val="tx1"/>
+          </a:fontRef>
+        </p:style>
+      </p:cxnSp>
+      <p:cxnSp>
+        <p:nvCxnSpPr>
+          <p:cNvPr id="6" name="Conector recto 5">
+            <a:extLst>
+              <a:ext uri="{FF2B5EF4-FFF2-40B4-BE49-F238E27FC236}">
+                <a16:creationId xmlns:a16="http://schemas.microsoft.com/office/drawing/2014/main" id="{5E9FB502-3785-4E1B-9513-3E33F5FCB5B9}"/>
+              </a:ext>
+            </a:extLst>
+          </p:cNvPr>
+          <p:cNvCxnSpPr>
+            <a:cxnSpLocks/>
+          </p:cNvCxnSpPr>
+          <p:nvPr/>
+        </p:nvCxnSpPr>
+        <p:spPr>
+          <a:xfrm>
+            <a:off x="1308439" y="2103920"/>
+            <a:ext cx="9439074" cy="0"/>
+          </a:xfrm>
+          <a:prstGeom prst="line">
+            <a:avLst/>
+          </a:prstGeom>
+        </p:spPr>
+        <p:style>
+          <a:lnRef idx="3">
+            <a:schemeClr val="accent2"/>
+          </a:lnRef>
+          <a:fillRef idx="0">
+            <a:schemeClr val="accent2"/>
+          </a:fillRef>
+          <a:effectRef idx="2">
+            <a:schemeClr val="accent2"/>
+          </a:effectRef>
+          <a:fontRef idx="minor">
+            <a:schemeClr val="tx1"/>
+          </a:fontRef>
+        </p:style>
+      </p:cxnSp>
+    </p:spTree>
+    <p:extLst>
+      <p:ext uri="{BB962C8B-B14F-4D97-AF65-F5344CB8AC3E}">
+        <p14:creationId xmlns:p14="http://schemas.microsoft.com/office/powerpoint/2010/main" val="2502864790"/>
+      </p:ext>
+    </p:extLst>
+  </p:cSld>
+  <p:clrMapOvr>
+    <a:masterClrMapping/>
+  </p:clrMapOvr>
+</p:sld>
+</file>
+
+<file path=ppt/slides/slide12.xml><?xml version="1.0" encoding="utf-8"?>
+<p:sld xmlns:a="http://schemas.openxmlformats.org/drawingml/2006/main" xmlns:r="http://schemas.openxmlformats.org/officeDocument/2006/relationships" xmlns:p="http://schemas.openxmlformats.org/presentationml/2006/main">
+  <p:cSld>
+    <p:spTree>
+      <p:nvGrpSpPr>
+        <p:cNvPr id="1" name=""/>
+        <p:cNvGrpSpPr/>
+        <p:nvPr/>
+      </p:nvGrpSpPr>
+      <p:grpSpPr>
+        <a:xfrm>
+          <a:off x="0" y="0"/>
+          <a:ext cx="0" cy="0"/>
+          <a:chOff x="0" y="0"/>
+          <a:chExt cx="0" cy="0"/>
+        </a:xfrm>
+      </p:grpSpPr>
+      <p:sp>
+        <p:nvSpPr>
+          <p:cNvPr id="2" name="Título 1">
+            <a:extLst>
+              <a:ext uri="{FF2B5EF4-FFF2-40B4-BE49-F238E27FC236}">
+                <a16:creationId xmlns:a16="http://schemas.microsoft.com/office/drawing/2014/main" id="{F8EECD00-1A6C-4ED6-9426-8D70B5CB5BC1}"/>
+              </a:ext>
+            </a:extLst>
+          </p:cNvPr>
+          <p:cNvSpPr>
+            <a:spLocks noGrp="1"/>
+          </p:cNvSpPr>
+          <p:nvPr>
+            <p:ph type="title"/>
+          </p:nvPr>
+        </p:nvSpPr>
+        <p:spPr/>
+        <p:txBody>
+          <a:bodyPr/>
+          <a:lstStyle/>
+          <a:p>
+            <a:endParaRPr lang="es-MX"/>
+          </a:p>
+        </p:txBody>
+      </p:sp>
+      <p:sp>
+        <p:nvSpPr>
+          <p:cNvPr id="3" name="Marcador de contenido 2">
+            <a:extLst>
+              <a:ext uri="{FF2B5EF4-FFF2-40B4-BE49-F238E27FC236}">
+                <a16:creationId xmlns:a16="http://schemas.microsoft.com/office/drawing/2014/main" id="{3A4FE9C1-B3E6-4841-9701-5C1435772A96}"/>
+              </a:ext>
+            </a:extLst>
+          </p:cNvPr>
+          <p:cNvSpPr>
+            <a:spLocks noGrp="1"/>
+          </p:cNvSpPr>
+          <p:nvPr>
+            <p:ph idx="1"/>
+          </p:nvPr>
+        </p:nvSpPr>
+        <p:spPr/>
+        <p:txBody>
+          <a:bodyPr/>
+          <a:lstStyle/>
+          <a:p>
+            <a:endParaRPr lang="es-MX"/>
+          </a:p>
+        </p:txBody>
+      </p:sp>
+      <p:pic>
+        <p:nvPicPr>
+          <p:cNvPr id="4" name="Imagen 3">
+            <a:extLst>
+              <a:ext uri="{FF2B5EF4-FFF2-40B4-BE49-F238E27FC236}">
+                <a16:creationId xmlns:a16="http://schemas.microsoft.com/office/drawing/2014/main" id="{29DF998B-FB5A-48BC-BCEC-29A7DD69A167}"/>
+              </a:ext>
+            </a:extLst>
+          </p:cNvPr>
+          <p:cNvPicPr>
+            <a:picLocks noChangeAspect="1"/>
+          </p:cNvPicPr>
+          <p:nvPr/>
+        </p:nvPicPr>
+        <p:blipFill>
+          <a:blip r:embed="rId2"/>
+          <a:stretch>
+            <a:fillRect/>
+          </a:stretch>
+        </p:blipFill>
+        <p:spPr>
+          <a:xfrm>
+            <a:off x="1104550" y="346133"/>
+            <a:ext cx="9982900" cy="6111690"/>
+          </a:xfrm>
+          <a:prstGeom prst="rect">
+            <a:avLst/>
+          </a:prstGeom>
+        </p:spPr>
+      </p:pic>
+    </p:spTree>
+    <p:extLst>
+      <p:ext uri="{BB962C8B-B14F-4D97-AF65-F5344CB8AC3E}">
+        <p14:creationId xmlns:p14="http://schemas.microsoft.com/office/powerpoint/2010/main" val="661049929"/>
+      </p:ext>
+    </p:extLst>
+  </p:cSld>
+  <p:clrMapOvr>
+    <a:masterClrMapping/>
+  </p:clrMapOvr>
+</p:sld>
+</file>
+
+<file path=ppt/slides/slide13.xml><?xml version="1.0" encoding="utf-8"?>
+<p:sld xmlns:a="http://schemas.openxmlformats.org/drawingml/2006/main" xmlns:r="http://schemas.openxmlformats.org/officeDocument/2006/relationships" xmlns:p="http://schemas.openxmlformats.org/presentationml/2006/main">
+  <p:cSld>
+    <p:spTree>
+      <p:nvGrpSpPr>
+        <p:cNvPr id="1" name=""/>
+        <p:cNvGrpSpPr/>
+        <p:nvPr/>
+      </p:nvGrpSpPr>
+      <p:grpSpPr>
+        <a:xfrm>
+          <a:off x="0" y="0"/>
+          <a:ext cx="0" cy="0"/>
+          <a:chOff x="0" y="0"/>
+          <a:chExt cx="0" cy="0"/>
+        </a:xfrm>
+      </p:grpSpPr>
+      <p:sp>
+        <p:nvSpPr>
+          <p:cNvPr id="2" name="Título 1">
+            <a:extLst>
+              <a:ext uri="{FF2B5EF4-FFF2-40B4-BE49-F238E27FC236}">
                 <a16:creationId xmlns:a16="http://schemas.microsoft.com/office/drawing/2014/main" id="{F8EECD00-1A6C-4ED6-9426-8D70B5CB5BC1}"/>
               </a:ext>
             </a:extLst>
@@ -3737,7 +4151,7 @@
 </p:sld>
 </file>
 
-<file path=ppt/slides/slide11.xml><?xml version="1.0" encoding="utf-8"?>
+<file path=ppt/slides/slide14.xml><?xml version="1.0" encoding="utf-8"?>
 <p:sld xmlns:a="http://schemas.openxmlformats.org/drawingml/2006/main" xmlns:r="http://schemas.openxmlformats.org/officeDocument/2006/relationships" xmlns:p="http://schemas.openxmlformats.org/presentationml/2006/main">
   <p:cSld>
     <p:spTree>
@@ -3951,7 +4365,7 @@
 </p:sld>
 </file>
 
-<file path=ppt/slides/slide12.xml><?xml version="1.0" encoding="utf-8"?>
+<file path=ppt/slides/slide15.xml><?xml version="1.0" encoding="utf-8"?>
 <p:sld xmlns:a="http://schemas.openxmlformats.org/drawingml/2006/main" xmlns:r="http://schemas.openxmlformats.org/officeDocument/2006/relationships" xmlns:p="http://schemas.openxmlformats.org/presentationml/2006/main">
   <p:cSld>
     <p:spTree>
@@ -4061,7 +4475,7 @@
 </p:sld>
 </file>
 
-<file path=ppt/slides/slide13.xml><?xml version="1.0" encoding="utf-8"?>
+<file path=ppt/slides/slide16.xml><?xml version="1.0" encoding="utf-8"?>
 <p:sld xmlns:a="http://schemas.openxmlformats.org/drawingml/2006/main" xmlns:r="http://schemas.openxmlformats.org/officeDocument/2006/relationships" xmlns:p="http://schemas.openxmlformats.org/presentationml/2006/main">
   <p:cSld>
     <p:spTree>
@@ -4223,7 +4637,7 @@
 </p:sld>
 </file>
 
-<file path=ppt/slides/slide14.xml><?xml version="1.0" encoding="utf-8"?>
+<file path=ppt/slides/slide17.xml><?xml version="1.0" encoding="utf-8"?>
 <p:sld xmlns:a="http://schemas.openxmlformats.org/drawingml/2006/main" xmlns:r="http://schemas.openxmlformats.org/officeDocument/2006/relationships" xmlns:p="http://schemas.openxmlformats.org/presentationml/2006/main">
   <p:cSld>
     <p:spTree>
@@ -4333,7 +4747,7 @@
 </p:sld>
 </file>
 
-<file path=ppt/slides/slide15.xml><?xml version="1.0" encoding="utf-8"?>
+<file path=ppt/slides/slide18.xml><?xml version="1.0" encoding="utf-8"?>
 <p:sld xmlns:a="http://schemas.openxmlformats.org/drawingml/2006/main" xmlns:r="http://schemas.openxmlformats.org/officeDocument/2006/relationships" xmlns:p="http://schemas.openxmlformats.org/presentationml/2006/main">
   <p:cSld>
     <p:spTree>
@@ -4443,7 +4857,7 @@
 </p:sld>
 </file>
 
-<file path=ppt/slides/slide16.xml><?xml version="1.0" encoding="utf-8"?>
+<file path=ppt/slides/slide19.xml><?xml version="1.0" encoding="utf-8"?>
 <p:sld xmlns:a="http://schemas.openxmlformats.org/drawingml/2006/main" xmlns:r="http://schemas.openxmlformats.org/officeDocument/2006/relationships" xmlns:p="http://schemas.openxmlformats.org/presentationml/2006/main">
   <p:cSld>
     <p:spTree>
@@ -4526,7 +4940,293 @@
 </p:sld>
 </file>
 
-<file path=ppt/slides/slide17.xml><?xml version="1.0" encoding="utf-8"?>
+<file path=ppt/slides/slide2.xml><?xml version="1.0" encoding="utf-8"?>
+<p:sld xmlns:a="http://schemas.openxmlformats.org/drawingml/2006/main" xmlns:r="http://schemas.openxmlformats.org/officeDocument/2006/relationships" xmlns:p="http://schemas.openxmlformats.org/presentationml/2006/main">
+  <p:cSld>
+    <p:spTree>
+      <p:nvGrpSpPr>
+        <p:cNvPr id="1" name=""/>
+        <p:cNvGrpSpPr/>
+        <p:nvPr/>
+      </p:nvGrpSpPr>
+      <p:grpSpPr>
+        <a:xfrm>
+          <a:off x="0" y="0"/>
+          <a:ext cx="0" cy="0"/>
+          <a:chOff x="0" y="0"/>
+          <a:chExt cx="0" cy="0"/>
+        </a:xfrm>
+      </p:grpSpPr>
+      <p:sp>
+        <p:nvSpPr>
+          <p:cNvPr id="2" name="Título 1">
+            <a:extLst>
+              <a:ext uri="{FF2B5EF4-FFF2-40B4-BE49-F238E27FC236}">
+                <a16:creationId xmlns:a16="http://schemas.microsoft.com/office/drawing/2014/main" id="{C3ACA217-971F-4692-9EE5-D52B1256906F}"/>
+              </a:ext>
+            </a:extLst>
+          </p:cNvPr>
+          <p:cNvSpPr>
+            <a:spLocks noGrp="1"/>
+          </p:cNvSpPr>
+          <p:nvPr>
+            <p:ph type="ctrTitle"/>
+          </p:nvPr>
+        </p:nvSpPr>
+        <p:spPr/>
+        <p:txBody>
+          <a:bodyPr/>
+          <a:lstStyle/>
+          <a:p>
+            <a:br>
+              <a:rPr lang="es-MX" dirty="0"/>
+            </a:br>
+            <a:endParaRPr lang="es-MX" dirty="0"/>
+          </a:p>
+        </p:txBody>
+      </p:sp>
+      <p:sp>
+        <p:nvSpPr>
+          <p:cNvPr id="3" name="Subtítulo 2">
+            <a:extLst>
+              <a:ext uri="{FF2B5EF4-FFF2-40B4-BE49-F238E27FC236}">
+                <a16:creationId xmlns:a16="http://schemas.microsoft.com/office/drawing/2014/main" id="{7EFAD048-238D-44F3-B01C-0B995E28D5EB}"/>
+              </a:ext>
+            </a:extLst>
+          </p:cNvPr>
+          <p:cNvSpPr>
+            <a:spLocks noGrp="1"/>
+          </p:cNvSpPr>
+          <p:nvPr>
+            <p:ph type="subTitle" idx="1"/>
+          </p:nvPr>
+        </p:nvSpPr>
+        <p:spPr/>
+        <p:txBody>
+          <a:bodyPr/>
+          <a:lstStyle/>
+          <a:p>
+            <a:endParaRPr lang="es-MX" dirty="0"/>
+          </a:p>
+          <a:p>
+            <a:endParaRPr lang="es-MX" dirty="0"/>
+          </a:p>
+        </p:txBody>
+      </p:sp>
+      <p:pic>
+        <p:nvPicPr>
+          <p:cNvPr id="5" name="Imagen 4">
+            <a:extLst>
+              <a:ext uri="{FF2B5EF4-FFF2-40B4-BE49-F238E27FC236}">
+                <a16:creationId xmlns:a16="http://schemas.microsoft.com/office/drawing/2014/main" id="{975CFEA8-2187-4337-8C4C-0EF07CEDD788}"/>
+              </a:ext>
+            </a:extLst>
+          </p:cNvPr>
+          <p:cNvPicPr>
+            <a:picLocks noChangeAspect="1"/>
+          </p:cNvPicPr>
+          <p:nvPr/>
+        </p:nvPicPr>
+        <p:blipFill>
+          <a:blip r:embed="rId2"/>
+          <a:stretch>
+            <a:fillRect/>
+          </a:stretch>
+        </p:blipFill>
+        <p:spPr>
+          <a:xfrm>
+            <a:off x="1295434" y="1704310"/>
+            <a:ext cx="9210204" cy="3103303"/>
+          </a:xfrm>
+          <a:prstGeom prst="rect">
+            <a:avLst/>
+          </a:prstGeom>
+        </p:spPr>
+      </p:pic>
+      <p:sp>
+        <p:nvSpPr>
+          <p:cNvPr id="6" name="Rectángulo 5">
+            <a:extLst>
+              <a:ext uri="{FF2B5EF4-FFF2-40B4-BE49-F238E27FC236}">
+                <a16:creationId xmlns:a16="http://schemas.microsoft.com/office/drawing/2014/main" id="{F34D65C1-EA56-4A60-BCB5-0C3F6272339E}"/>
+              </a:ext>
+            </a:extLst>
+          </p:cNvPr>
+          <p:cNvSpPr/>
+          <p:nvPr/>
+        </p:nvSpPr>
+        <p:spPr>
+          <a:xfrm>
+            <a:off x="0" y="0"/>
+            <a:ext cx="12192000" cy="1122363"/>
+          </a:xfrm>
+          <a:prstGeom prst="rect">
+            <a:avLst/>
+          </a:prstGeom>
+          <a:solidFill>
+            <a:schemeClr val="tx1"/>
+          </a:solidFill>
+          <a:ln>
+            <a:solidFill>
+              <a:schemeClr val="tx1"/>
+            </a:solidFill>
+          </a:ln>
+        </p:spPr>
+        <p:style>
+          <a:lnRef idx="2">
+            <a:schemeClr val="accent1">
+              <a:shade val="50000"/>
+            </a:schemeClr>
+          </a:lnRef>
+          <a:fillRef idx="1">
+            <a:schemeClr val="accent1"/>
+          </a:fillRef>
+          <a:effectRef idx="0">
+            <a:schemeClr val="accent1"/>
+          </a:effectRef>
+          <a:fontRef idx="minor">
+            <a:schemeClr val="lt1"/>
+          </a:fontRef>
+        </p:style>
+        <p:txBody>
+          <a:bodyPr rtlCol="0" anchor="ctr"/>
+          <a:lstStyle/>
+          <a:p>
+            <a:pPr algn="ctr"/>
+            <a:endParaRPr lang="es-MX"/>
+          </a:p>
+        </p:txBody>
+      </p:sp>
+      <p:sp>
+        <p:nvSpPr>
+          <p:cNvPr id="7" name="Rectángulo 6">
+            <a:extLst>
+              <a:ext uri="{FF2B5EF4-FFF2-40B4-BE49-F238E27FC236}">
+                <a16:creationId xmlns:a16="http://schemas.microsoft.com/office/drawing/2014/main" id="{2D67EBC3-FD0F-4FC9-9FFF-E676F0B8C001}"/>
+              </a:ext>
+            </a:extLst>
+          </p:cNvPr>
+          <p:cNvSpPr/>
+          <p:nvPr/>
+        </p:nvSpPr>
+        <p:spPr>
+          <a:xfrm>
+            <a:off x="0" y="5672356"/>
+            <a:ext cx="12192000" cy="1122363"/>
+          </a:xfrm>
+          <a:prstGeom prst="rect">
+            <a:avLst/>
+          </a:prstGeom>
+          <a:solidFill>
+            <a:schemeClr val="tx1"/>
+          </a:solidFill>
+          <a:ln>
+            <a:solidFill>
+              <a:schemeClr val="tx1"/>
+            </a:solidFill>
+          </a:ln>
+        </p:spPr>
+        <p:style>
+          <a:lnRef idx="2">
+            <a:schemeClr val="accent1">
+              <a:shade val="50000"/>
+            </a:schemeClr>
+          </a:lnRef>
+          <a:fillRef idx="1">
+            <a:schemeClr val="accent1"/>
+          </a:fillRef>
+          <a:effectRef idx="0">
+            <a:schemeClr val="accent1"/>
+          </a:effectRef>
+          <a:fontRef idx="minor">
+            <a:schemeClr val="lt1"/>
+          </a:fontRef>
+        </p:style>
+        <p:txBody>
+          <a:bodyPr rtlCol="0" anchor="ctr"/>
+          <a:lstStyle/>
+          <a:p>
+            <a:pPr algn="ctr"/>
+            <a:endParaRPr lang="es-MX"/>
+          </a:p>
+        </p:txBody>
+      </p:sp>
+      <p:sp>
+        <p:nvSpPr>
+          <p:cNvPr id="8" name="Título 3">
+            <a:extLst>
+              <a:ext uri="{FF2B5EF4-FFF2-40B4-BE49-F238E27FC236}">
+                <a16:creationId xmlns:a16="http://schemas.microsoft.com/office/drawing/2014/main" id="{E475012C-4B92-4526-AAA3-C694C3940E88}"/>
+              </a:ext>
+            </a:extLst>
+          </p:cNvPr>
+          <p:cNvSpPr txBox="1">
+            <a:spLocks/>
+          </p:cNvSpPr>
+          <p:nvPr/>
+        </p:nvSpPr>
+        <p:spPr>
+          <a:xfrm>
+            <a:off x="838200" y="5349875"/>
+            <a:ext cx="10515600" cy="1325563"/>
+          </a:xfrm>
+          <a:prstGeom prst="rect">
+            <a:avLst/>
+          </a:prstGeom>
+          <a:solidFill>
+            <a:srgbClr val="FFC000"/>
+          </a:solidFill>
+        </p:spPr>
+        <p:txBody>
+          <a:bodyPr vert="horz" lIns="91440" tIns="45720" rIns="91440" bIns="45720" rtlCol="0" anchor="ctr">
+            <a:normAutofit/>
+          </a:bodyPr>
+          <a:lstStyle>
+            <a:lvl1pPr algn="ctr" defTabSz="914400" rtl="0" eaLnBrk="1" latinLnBrk="0" hangingPunct="1">
+              <a:lnSpc>
+                <a:spcPct val="90000"/>
+              </a:lnSpc>
+              <a:spcBef>
+                <a:spcPct val="0"/>
+              </a:spcBef>
+              <a:buNone/>
+              <a:defRPr sz="6000" kern="1200">
+                <a:solidFill>
+                  <a:schemeClr val="tx1"/>
+                </a:solidFill>
+                <a:latin typeface="+mj-lt"/>
+                <a:ea typeface="+mj-ea"/>
+                <a:cs typeface="+mj-cs"/>
+              </a:defRPr>
+            </a:lvl1pPr>
+          </a:lstStyle>
+          <a:p>
+            <a:r>
+              <a:rPr lang="en-US" b="1" dirty="0"/>
+              <a:t>1. </a:t>
+            </a:r>
+            <a:r>
+              <a:rPr lang="en-US" sz="3200" b="1" dirty="0"/>
+              <a:t>How Many Cases of Coronavirus Will There Be in Your Area?</a:t>
+            </a:r>
+            <a:endParaRPr lang="es-MX" sz="3200" dirty="0"/>
+          </a:p>
+        </p:txBody>
+      </p:sp>
+    </p:spTree>
+    <p:extLst>
+      <p:ext uri="{BB962C8B-B14F-4D97-AF65-F5344CB8AC3E}">
+        <p14:creationId xmlns:p14="http://schemas.microsoft.com/office/powerpoint/2010/main" val="2573615750"/>
+      </p:ext>
+    </p:extLst>
+  </p:cSld>
+  <p:clrMapOvr>
+    <a:masterClrMapping/>
+  </p:clrMapOvr>
+</p:sld>
+</file>
+
+<file path=ppt/slides/slide20.xml><?xml version="1.0" encoding="utf-8"?>
 <p:sld xmlns:a="http://schemas.openxmlformats.org/drawingml/2006/main" xmlns:r="http://schemas.openxmlformats.org/officeDocument/2006/relationships" xmlns:p="http://schemas.openxmlformats.org/presentationml/2006/main">
   <p:cSld>
     <p:spTree>
@@ -4636,7 +5336,279 @@
 </p:sld>
 </file>
 
-<file path=ppt/slides/slide18.xml><?xml version="1.0" encoding="utf-8"?>
+<file path=ppt/slides/slide21.xml><?xml version="1.0" encoding="utf-8"?>
+<p:sld xmlns:a="http://schemas.openxmlformats.org/drawingml/2006/main" xmlns:r="http://schemas.openxmlformats.org/officeDocument/2006/relationships" xmlns:p="http://schemas.openxmlformats.org/presentationml/2006/main">
+  <p:cSld>
+    <p:spTree>
+      <p:nvGrpSpPr>
+        <p:cNvPr id="1" name=""/>
+        <p:cNvGrpSpPr/>
+        <p:nvPr/>
+      </p:nvGrpSpPr>
+      <p:grpSpPr>
+        <a:xfrm>
+          <a:off x="0" y="0"/>
+          <a:ext cx="0" cy="0"/>
+          <a:chOff x="0" y="0"/>
+          <a:chExt cx="0" cy="0"/>
+        </a:xfrm>
+      </p:grpSpPr>
+      <p:sp>
+        <p:nvSpPr>
+          <p:cNvPr id="2" name="Título 1">
+            <a:extLst>
+              <a:ext uri="{FF2B5EF4-FFF2-40B4-BE49-F238E27FC236}">
+                <a16:creationId xmlns:a16="http://schemas.microsoft.com/office/drawing/2014/main" id="{FF3CC699-83A0-4EE0-ACFB-7AE019BDF01C}"/>
+              </a:ext>
+            </a:extLst>
+          </p:cNvPr>
+          <p:cNvSpPr>
+            <a:spLocks noGrp="1"/>
+          </p:cNvSpPr>
+          <p:nvPr>
+            <p:ph type="title"/>
+          </p:nvPr>
+        </p:nvSpPr>
+        <p:spPr/>
+        <p:txBody>
+          <a:bodyPr/>
+          <a:lstStyle/>
+          <a:p>
+            <a:endParaRPr lang="es-MX"/>
+          </a:p>
+        </p:txBody>
+      </p:sp>
+      <p:sp>
+        <p:nvSpPr>
+          <p:cNvPr id="3" name="Marcador de contenido 2">
+            <a:extLst>
+              <a:ext uri="{FF2B5EF4-FFF2-40B4-BE49-F238E27FC236}">
+                <a16:creationId xmlns:a16="http://schemas.microsoft.com/office/drawing/2014/main" id="{2773BCEF-A47F-4C40-B8CF-086F30BAF868}"/>
+              </a:ext>
+            </a:extLst>
+          </p:cNvPr>
+          <p:cNvSpPr>
+            <a:spLocks noGrp="1"/>
+          </p:cNvSpPr>
+          <p:nvPr>
+            <p:ph idx="1"/>
+          </p:nvPr>
+        </p:nvSpPr>
+        <p:spPr/>
+        <p:txBody>
+          <a:bodyPr/>
+          <a:lstStyle/>
+          <a:p>
+            <a:endParaRPr lang="es-MX"/>
+          </a:p>
+        </p:txBody>
+      </p:sp>
+      <p:pic>
+        <p:nvPicPr>
+          <p:cNvPr id="4" name="Imagen 3">
+            <a:extLst>
+              <a:ext uri="{FF2B5EF4-FFF2-40B4-BE49-F238E27FC236}">
+                <a16:creationId xmlns:a16="http://schemas.microsoft.com/office/drawing/2014/main" id="{201FC9D9-82D8-4111-AA5A-30F2FC67C1E0}"/>
+              </a:ext>
+            </a:extLst>
+          </p:cNvPr>
+          <p:cNvPicPr>
+            <a:picLocks noChangeAspect="1"/>
+          </p:cNvPicPr>
+          <p:nvPr/>
+        </p:nvPicPr>
+        <p:blipFill>
+          <a:blip r:embed="rId2"/>
+          <a:stretch>
+            <a:fillRect/>
+          </a:stretch>
+        </p:blipFill>
+        <p:spPr>
+          <a:xfrm>
+            <a:off x="278524" y="0"/>
+            <a:ext cx="11634952" cy="6858000"/>
+          </a:xfrm>
+          <a:prstGeom prst="rect">
+            <a:avLst/>
+          </a:prstGeom>
+        </p:spPr>
+      </p:pic>
+      <p:sp>
+        <p:nvSpPr>
+          <p:cNvPr id="5" name="Rectángulo 4">
+            <a:extLst>
+              <a:ext uri="{FF2B5EF4-FFF2-40B4-BE49-F238E27FC236}">
+                <a16:creationId xmlns:a16="http://schemas.microsoft.com/office/drawing/2014/main" id="{437BE9A5-C8C6-49FB-A944-0D3E68852E6E}"/>
+              </a:ext>
+            </a:extLst>
+          </p:cNvPr>
+          <p:cNvSpPr/>
+          <p:nvPr/>
+        </p:nvSpPr>
+        <p:spPr>
+          <a:xfrm>
+            <a:off x="7606749" y="5168347"/>
+            <a:ext cx="954156" cy="1324527"/>
+          </a:xfrm>
+          <a:prstGeom prst="rect">
+            <a:avLst/>
+          </a:prstGeom>
+          <a:noFill/>
+          <a:ln w="76200">
+            <a:solidFill>
+              <a:srgbClr val="FF0000"/>
+            </a:solidFill>
+          </a:ln>
+        </p:spPr>
+        <p:style>
+          <a:lnRef idx="2">
+            <a:schemeClr val="accent1">
+              <a:shade val="50000"/>
+            </a:schemeClr>
+          </a:lnRef>
+          <a:fillRef idx="1">
+            <a:schemeClr val="accent1"/>
+          </a:fillRef>
+          <a:effectRef idx="0">
+            <a:schemeClr val="accent1"/>
+          </a:effectRef>
+          <a:fontRef idx="minor">
+            <a:schemeClr val="lt1"/>
+          </a:fontRef>
+        </p:style>
+        <p:txBody>
+          <a:bodyPr rtlCol="0" anchor="ctr"/>
+          <a:lstStyle/>
+          <a:p>
+            <a:pPr algn="ctr"/>
+            <a:endParaRPr lang="es-MX"/>
+          </a:p>
+        </p:txBody>
+      </p:sp>
+    </p:spTree>
+    <p:extLst>
+      <p:ext uri="{BB962C8B-B14F-4D97-AF65-F5344CB8AC3E}">
+        <p14:creationId xmlns:p14="http://schemas.microsoft.com/office/powerpoint/2010/main" val="3092997039"/>
+      </p:ext>
+    </p:extLst>
+  </p:cSld>
+  <p:clrMapOvr>
+    <a:masterClrMapping/>
+  </p:clrMapOvr>
+</p:sld>
+</file>
+
+<file path=ppt/slides/slide22.xml><?xml version="1.0" encoding="utf-8"?>
+<p:sld xmlns:a="http://schemas.openxmlformats.org/drawingml/2006/main" xmlns:r="http://schemas.openxmlformats.org/officeDocument/2006/relationships" xmlns:p="http://schemas.openxmlformats.org/presentationml/2006/main">
+  <p:cSld>
+    <p:spTree>
+      <p:nvGrpSpPr>
+        <p:cNvPr id="1" name=""/>
+        <p:cNvGrpSpPr/>
+        <p:nvPr/>
+      </p:nvGrpSpPr>
+      <p:grpSpPr>
+        <a:xfrm>
+          <a:off x="0" y="0"/>
+          <a:ext cx="0" cy="0"/>
+          <a:chOff x="0" y="0"/>
+          <a:chExt cx="0" cy="0"/>
+        </a:xfrm>
+      </p:grpSpPr>
+      <p:sp>
+        <p:nvSpPr>
+          <p:cNvPr id="2" name="Título 1">
+            <a:extLst>
+              <a:ext uri="{FF2B5EF4-FFF2-40B4-BE49-F238E27FC236}">
+                <a16:creationId xmlns:a16="http://schemas.microsoft.com/office/drawing/2014/main" id="{3968B826-3FC4-464D-B4AF-640B61A04DB9}"/>
+              </a:ext>
+            </a:extLst>
+          </p:cNvPr>
+          <p:cNvSpPr>
+            <a:spLocks noGrp="1"/>
+          </p:cNvSpPr>
+          <p:nvPr>
+            <p:ph type="title"/>
+          </p:nvPr>
+        </p:nvSpPr>
+        <p:spPr/>
+        <p:txBody>
+          <a:bodyPr/>
+          <a:lstStyle/>
+          <a:p>
+            <a:endParaRPr lang="es-MX"/>
+          </a:p>
+        </p:txBody>
+      </p:sp>
+      <p:sp>
+        <p:nvSpPr>
+          <p:cNvPr id="3" name="Marcador de contenido 2">
+            <a:extLst>
+              <a:ext uri="{FF2B5EF4-FFF2-40B4-BE49-F238E27FC236}">
+                <a16:creationId xmlns:a16="http://schemas.microsoft.com/office/drawing/2014/main" id="{5B84B491-00B0-4B8A-A47F-D26A7165D2C8}"/>
+              </a:ext>
+            </a:extLst>
+          </p:cNvPr>
+          <p:cNvSpPr>
+            <a:spLocks noGrp="1"/>
+          </p:cNvSpPr>
+          <p:nvPr>
+            <p:ph idx="1"/>
+          </p:nvPr>
+        </p:nvSpPr>
+        <p:spPr/>
+        <p:txBody>
+          <a:bodyPr/>
+          <a:lstStyle/>
+          <a:p>
+            <a:endParaRPr lang="es-MX"/>
+          </a:p>
+        </p:txBody>
+      </p:sp>
+      <p:pic>
+        <p:nvPicPr>
+          <p:cNvPr id="4" name="Imagen 3">
+            <a:extLst>
+              <a:ext uri="{FF2B5EF4-FFF2-40B4-BE49-F238E27FC236}">
+                <a16:creationId xmlns:a16="http://schemas.microsoft.com/office/drawing/2014/main" id="{39DED7C2-9D7B-4F08-9D55-7A7659369F70}"/>
+              </a:ext>
+            </a:extLst>
+          </p:cNvPr>
+          <p:cNvPicPr>
+            <a:picLocks noChangeAspect="1"/>
+          </p:cNvPicPr>
+          <p:nvPr/>
+        </p:nvPicPr>
+        <p:blipFill>
+          <a:blip r:embed="rId2"/>
+          <a:stretch>
+            <a:fillRect/>
+          </a:stretch>
+        </p:blipFill>
+        <p:spPr>
+          <a:xfrm>
+            <a:off x="0" y="2279373"/>
+            <a:ext cx="12080799" cy="2025857"/>
+          </a:xfrm>
+          <a:prstGeom prst="rect">
+            <a:avLst/>
+          </a:prstGeom>
+        </p:spPr>
+      </p:pic>
+    </p:spTree>
+    <p:extLst>
+      <p:ext uri="{BB962C8B-B14F-4D97-AF65-F5344CB8AC3E}">
+        <p14:creationId xmlns:p14="http://schemas.microsoft.com/office/powerpoint/2010/main" val="3033211535"/>
+      </p:ext>
+    </p:extLst>
+  </p:cSld>
+  <p:clrMapOvr>
+    <a:masterClrMapping/>
+  </p:clrMapOvr>
+</p:sld>
+</file>
+
+<file path=ppt/slides/slide23.xml><?xml version="1.0" encoding="utf-8"?>
 <p:sld xmlns:a="http://schemas.openxmlformats.org/drawingml/2006/main" xmlns:r="http://schemas.openxmlformats.org/officeDocument/2006/relationships" xmlns:p="http://schemas.openxmlformats.org/presentationml/2006/main">
   <p:cSld>
     <p:spTree>
@@ -4746,7 +5718,7 @@
 </p:sld>
 </file>
 
-<file path=ppt/slides/slide19.xml><?xml version="1.0" encoding="utf-8"?>
+<file path=ppt/slides/slide24.xml><?xml version="1.0" encoding="utf-8"?>
 <p:sld xmlns:a="http://schemas.openxmlformats.org/drawingml/2006/main" xmlns:r="http://schemas.openxmlformats.org/officeDocument/2006/relationships" xmlns:p="http://schemas.openxmlformats.org/presentationml/2006/main">
   <p:cSld>
     <p:spTree>
@@ -4817,7 +5789,7 @@
           <a:bodyPr/>
           <a:lstStyle/>
           <a:p>
-            <a:endParaRPr lang="es-MX"/>
+            <a:endParaRPr lang="es-MX" dirty="0"/>
           </a:p>
         </p:txBody>
       </p:sp>
@@ -4834,97 +5806,7 @@
 </p:sld>
 </file>
 
-<file path=ppt/slides/slide2.xml><?xml version="1.0" encoding="utf-8"?>
-<p:sld xmlns:a="http://schemas.openxmlformats.org/drawingml/2006/main" xmlns:r="http://schemas.openxmlformats.org/officeDocument/2006/relationships" xmlns:p="http://schemas.openxmlformats.org/presentationml/2006/main">
-  <p:cSld>
-    <p:spTree>
-      <p:nvGrpSpPr>
-        <p:cNvPr id="1" name=""/>
-        <p:cNvGrpSpPr/>
-        <p:nvPr/>
-      </p:nvGrpSpPr>
-      <p:grpSpPr>
-        <a:xfrm>
-          <a:off x="0" y="0"/>
-          <a:ext cx="0" cy="0"/>
-          <a:chOff x="0" y="0"/>
-          <a:chExt cx="0" cy="0"/>
-        </a:xfrm>
-      </p:grpSpPr>
-      <p:sp>
-        <p:nvSpPr>
-          <p:cNvPr id="4" name="Título 3">
-            <a:extLst>
-              <a:ext uri="{FF2B5EF4-FFF2-40B4-BE49-F238E27FC236}">
-                <a16:creationId xmlns:a16="http://schemas.microsoft.com/office/drawing/2014/main" id="{9C01D25D-1DEE-48AA-8716-7132CC7C1CD5}"/>
-              </a:ext>
-            </a:extLst>
-          </p:cNvPr>
-          <p:cNvSpPr>
-            <a:spLocks noGrp="1"/>
-          </p:cNvSpPr>
-          <p:nvPr>
-            <p:ph type="title"/>
-          </p:nvPr>
-        </p:nvSpPr>
-        <p:spPr>
-          <a:solidFill>
-            <a:srgbClr val="FFC000"/>
-          </a:solidFill>
-        </p:spPr>
-        <p:txBody>
-          <a:bodyPr>
-            <a:normAutofit/>
-          </a:bodyPr>
-          <a:lstStyle/>
-          <a:p>
-            <a:r>
-              <a:rPr lang="en-US" b="1" dirty="0"/>
-              <a:t>1. How Many Cases of Coronavirus Will There Be in Your Area?</a:t>
-            </a:r>
-            <a:endParaRPr lang="es-MX" dirty="0"/>
-          </a:p>
-        </p:txBody>
-      </p:sp>
-      <p:sp>
-        <p:nvSpPr>
-          <p:cNvPr id="5" name="Marcador de contenido 4">
-            <a:extLst>
-              <a:ext uri="{FF2B5EF4-FFF2-40B4-BE49-F238E27FC236}">
-                <a16:creationId xmlns:a16="http://schemas.microsoft.com/office/drawing/2014/main" id="{EBF68F9C-235E-458F-B6AE-ECE547E66E66}"/>
-              </a:ext>
-            </a:extLst>
-          </p:cNvPr>
-          <p:cNvSpPr>
-            <a:spLocks noGrp="1"/>
-          </p:cNvSpPr>
-          <p:nvPr>
-            <p:ph idx="1"/>
-          </p:nvPr>
-        </p:nvSpPr>
-        <p:spPr/>
-        <p:txBody>
-          <a:bodyPr/>
-          <a:lstStyle/>
-          <a:p>
-            <a:endParaRPr lang="es-MX" dirty="0"/>
-          </a:p>
-        </p:txBody>
-      </p:sp>
-    </p:spTree>
-    <p:extLst>
-      <p:ext uri="{BB962C8B-B14F-4D97-AF65-F5344CB8AC3E}">
-        <p14:creationId xmlns:p14="http://schemas.microsoft.com/office/powerpoint/2010/main" val="4190807865"/>
-      </p:ext>
-    </p:extLst>
-  </p:cSld>
-  <p:clrMapOvr>
-    <a:masterClrMapping/>
-  </p:clrMapOvr>
-</p:sld>
-</file>
-
-<file path=ppt/slides/slide20.xml><?xml version="1.0" encoding="utf-8"?>
+<file path=ppt/slides/slide25.xml><?xml version="1.0" encoding="utf-8"?>
 <p:sld xmlns:a="http://schemas.openxmlformats.org/drawingml/2006/main" xmlns:r="http://schemas.openxmlformats.org/officeDocument/2006/relationships" xmlns:p="http://schemas.openxmlformats.org/presentationml/2006/main">
   <p:cSld>
     <p:spTree>
@@ -5034,7 +5916,7 @@
 </p:sld>
 </file>
 
-<file path=ppt/slides/slide21.xml><?xml version="1.0" encoding="utf-8"?>
+<file path=ppt/slides/slide26.xml><?xml version="1.0" encoding="utf-8"?>
 <p:sld xmlns:a="http://schemas.openxmlformats.org/drawingml/2006/main" xmlns:r="http://schemas.openxmlformats.org/officeDocument/2006/relationships" xmlns:p="http://schemas.openxmlformats.org/presentationml/2006/main">
   <p:cSld>
     <p:spTree>
@@ -5122,7 +6004,7 @@
 </p:sld>
 </file>
 
-<file path=ppt/slides/slide22.xml><?xml version="1.0" encoding="utf-8"?>
+<file path=ppt/slides/slide27.xml><?xml version="1.0" encoding="utf-8"?>
 <p:sld xmlns:a="http://schemas.openxmlformats.org/drawingml/2006/main" xmlns:r="http://schemas.openxmlformats.org/officeDocument/2006/relationships" xmlns:p="http://schemas.openxmlformats.org/presentationml/2006/main">
   <p:cSld>
     <p:spTree>
@@ -5141,10 +6023,98 @@
       </p:grpSpPr>
       <p:sp>
         <p:nvSpPr>
+          <p:cNvPr id="4" name="Título 3">
+            <a:extLst>
+              <a:ext uri="{FF2B5EF4-FFF2-40B4-BE49-F238E27FC236}">
+                <a16:creationId xmlns:a16="http://schemas.microsoft.com/office/drawing/2014/main" id="{B460B266-1A5A-455D-AB68-B9575AE8E41B}"/>
+              </a:ext>
+            </a:extLst>
+          </p:cNvPr>
+          <p:cNvSpPr>
+            <a:spLocks noGrp="1"/>
+          </p:cNvSpPr>
+          <p:nvPr>
+            <p:ph type="ctrTitle"/>
+          </p:nvPr>
+        </p:nvSpPr>
+        <p:spPr/>
+        <p:txBody>
+          <a:bodyPr/>
+          <a:lstStyle/>
+          <a:p>
+            <a:r>
+              <a:rPr lang="es-MX" dirty="0"/>
+              <a:t>San Francisco Bay </a:t>
+            </a:r>
+            <a:r>
+              <a:rPr lang="es-MX" dirty="0" err="1"/>
+              <a:t>Area</a:t>
+            </a:r>
+            <a:endParaRPr lang="es-MX" dirty="0"/>
+          </a:p>
+        </p:txBody>
+      </p:sp>
+      <p:sp>
+        <p:nvSpPr>
+          <p:cNvPr id="5" name="Subtítulo 4">
+            <a:extLst>
+              <a:ext uri="{FF2B5EF4-FFF2-40B4-BE49-F238E27FC236}">
+                <a16:creationId xmlns:a16="http://schemas.microsoft.com/office/drawing/2014/main" id="{45BDE5BA-B3BE-402D-BB7D-E15B51DBC1CB}"/>
+              </a:ext>
+            </a:extLst>
+          </p:cNvPr>
+          <p:cNvSpPr>
+            <a:spLocks noGrp="1"/>
+          </p:cNvSpPr>
+          <p:nvPr>
+            <p:ph type="subTitle" idx="1"/>
+          </p:nvPr>
+        </p:nvSpPr>
+        <p:spPr/>
+        <p:txBody>
+          <a:bodyPr/>
+          <a:lstStyle/>
+          <a:p>
+            <a:endParaRPr lang="es-MX" dirty="0"/>
+          </a:p>
+        </p:txBody>
+      </p:sp>
+    </p:spTree>
+    <p:extLst>
+      <p:ext uri="{BB962C8B-B14F-4D97-AF65-F5344CB8AC3E}">
+        <p14:creationId xmlns:p14="http://schemas.microsoft.com/office/powerpoint/2010/main" val="1647794798"/>
+      </p:ext>
+    </p:extLst>
+  </p:cSld>
+  <p:clrMapOvr>
+    <a:masterClrMapping/>
+  </p:clrMapOvr>
+</p:sld>
+</file>
+
+<file path=ppt/slides/slide28.xml><?xml version="1.0" encoding="utf-8"?>
+<p:sld xmlns:a="http://schemas.openxmlformats.org/drawingml/2006/main" xmlns:r="http://schemas.openxmlformats.org/officeDocument/2006/relationships" xmlns:p="http://schemas.openxmlformats.org/presentationml/2006/main">
+  <p:cSld>
+    <p:spTree>
+      <p:nvGrpSpPr>
+        <p:cNvPr id="1" name=""/>
+        <p:cNvGrpSpPr/>
+        <p:nvPr/>
+      </p:nvGrpSpPr>
+      <p:grpSpPr>
+        <a:xfrm>
+          <a:off x="0" y="0"/>
+          <a:ext cx="0" cy="0"/>
+          <a:chOff x="0" y="0"/>
+          <a:chExt cx="0" cy="0"/>
+        </a:xfrm>
+      </p:grpSpPr>
+      <p:sp>
+        <p:nvSpPr>
           <p:cNvPr id="2" name="Título 1">
             <a:extLst>
               <a:ext uri="{FF2B5EF4-FFF2-40B4-BE49-F238E27FC236}">
-                <a16:creationId xmlns:a16="http://schemas.microsoft.com/office/drawing/2014/main" id="{27169751-E090-4C3E-A8F0-7F4613100B84}"/>
+                <a16:creationId xmlns:a16="http://schemas.microsoft.com/office/drawing/2014/main" id="{D52DB6B2-4480-4DFF-B1EC-2C98C39872EF}"/>
               </a:ext>
             </a:extLst>
           </p:cNvPr>
@@ -5169,7 +6139,7 @@
           <p:cNvPr id="3" name="Marcador de contenido 2">
             <a:extLst>
               <a:ext uri="{FF2B5EF4-FFF2-40B4-BE49-F238E27FC236}">
-                <a16:creationId xmlns:a16="http://schemas.microsoft.com/office/drawing/2014/main" id="{9A9C51F8-F552-4E11-BFC1-03D95334DE13}"/>
+                <a16:creationId xmlns:a16="http://schemas.microsoft.com/office/drawing/2014/main" id="{2E71672E-BFF4-4B9B-8E0C-18993BFB3704}"/>
               </a:ext>
             </a:extLst>
           </p:cNvPr>
@@ -5194,7 +6164,7 @@
           <p:cNvPr id="4" name="Imagen 3">
             <a:extLst>
               <a:ext uri="{FF2B5EF4-FFF2-40B4-BE49-F238E27FC236}">
-                <a16:creationId xmlns:a16="http://schemas.microsoft.com/office/drawing/2014/main" id="{F13A5758-98AB-4346-AD5F-D33F8D9A3B5F}"/>
+                <a16:creationId xmlns:a16="http://schemas.microsoft.com/office/drawing/2014/main" id="{433BF141-35D7-48A2-AB43-A8B7868C40E0}"/>
               </a:ext>
             </a:extLst>
           </p:cNvPr>
@@ -5211,8 +6181,8 @@
         </p:blipFill>
         <p:spPr>
           <a:xfrm>
-            <a:off x="2800350" y="1400175"/>
-            <a:ext cx="6591300" cy="4057650"/>
+            <a:off x="712511" y="681037"/>
+            <a:ext cx="10780030" cy="5630863"/>
           </a:xfrm>
           <a:prstGeom prst="rect">
             <a:avLst/>
@@ -5222,7 +6192,117 @@
     </p:spTree>
     <p:extLst>
       <p:ext uri="{BB962C8B-B14F-4D97-AF65-F5344CB8AC3E}">
-        <p14:creationId xmlns:p14="http://schemas.microsoft.com/office/powerpoint/2010/main" val="692760966"/>
+        <p14:creationId xmlns:p14="http://schemas.microsoft.com/office/powerpoint/2010/main" val="2761915471"/>
+      </p:ext>
+    </p:extLst>
+  </p:cSld>
+  <p:clrMapOvr>
+    <a:masterClrMapping/>
+  </p:clrMapOvr>
+</p:sld>
+</file>
+
+<file path=ppt/slides/slide29.xml><?xml version="1.0" encoding="utf-8"?>
+<p:sld xmlns:a="http://schemas.openxmlformats.org/drawingml/2006/main" xmlns:r="http://schemas.openxmlformats.org/officeDocument/2006/relationships" xmlns:p="http://schemas.openxmlformats.org/presentationml/2006/main">
+  <p:cSld>
+    <p:spTree>
+      <p:nvGrpSpPr>
+        <p:cNvPr id="1" name=""/>
+        <p:cNvGrpSpPr/>
+        <p:nvPr/>
+      </p:nvGrpSpPr>
+      <p:grpSpPr>
+        <a:xfrm>
+          <a:off x="0" y="0"/>
+          <a:ext cx="0" cy="0"/>
+          <a:chOff x="0" y="0"/>
+          <a:chExt cx="0" cy="0"/>
+        </a:xfrm>
+      </p:grpSpPr>
+      <p:sp>
+        <p:nvSpPr>
+          <p:cNvPr id="2" name="Título 1">
+            <a:extLst>
+              <a:ext uri="{FF2B5EF4-FFF2-40B4-BE49-F238E27FC236}">
+                <a16:creationId xmlns:a16="http://schemas.microsoft.com/office/drawing/2014/main" id="{7D487E06-4CCA-4E46-BFE7-52BBD2032DB5}"/>
+              </a:ext>
+            </a:extLst>
+          </p:cNvPr>
+          <p:cNvSpPr>
+            <a:spLocks noGrp="1"/>
+          </p:cNvSpPr>
+          <p:nvPr>
+            <p:ph type="title"/>
+          </p:nvPr>
+        </p:nvSpPr>
+        <p:spPr/>
+        <p:txBody>
+          <a:bodyPr/>
+          <a:lstStyle/>
+          <a:p>
+            <a:endParaRPr lang="es-MX"/>
+          </a:p>
+        </p:txBody>
+      </p:sp>
+      <p:sp>
+        <p:nvSpPr>
+          <p:cNvPr id="3" name="Marcador de contenido 2">
+            <a:extLst>
+              <a:ext uri="{FF2B5EF4-FFF2-40B4-BE49-F238E27FC236}">
+                <a16:creationId xmlns:a16="http://schemas.microsoft.com/office/drawing/2014/main" id="{68F0CA29-A539-40DF-8BC5-FF9AB6EBDB30}"/>
+              </a:ext>
+            </a:extLst>
+          </p:cNvPr>
+          <p:cNvSpPr>
+            <a:spLocks noGrp="1"/>
+          </p:cNvSpPr>
+          <p:nvPr>
+            <p:ph idx="1"/>
+          </p:nvPr>
+        </p:nvSpPr>
+        <p:spPr/>
+        <p:txBody>
+          <a:bodyPr/>
+          <a:lstStyle/>
+          <a:p>
+            <a:endParaRPr lang="es-MX"/>
+          </a:p>
+        </p:txBody>
+      </p:sp>
+      <p:pic>
+        <p:nvPicPr>
+          <p:cNvPr id="4" name="Imagen 3">
+            <a:extLst>
+              <a:ext uri="{FF2B5EF4-FFF2-40B4-BE49-F238E27FC236}">
+                <a16:creationId xmlns:a16="http://schemas.microsoft.com/office/drawing/2014/main" id="{54998CA2-3DDF-46FA-81FC-D4297A0C28F4}"/>
+              </a:ext>
+            </a:extLst>
+          </p:cNvPr>
+          <p:cNvPicPr>
+            <a:picLocks noChangeAspect="1"/>
+          </p:cNvPicPr>
+          <p:nvPr/>
+        </p:nvPicPr>
+        <p:blipFill>
+          <a:blip r:embed="rId2"/>
+          <a:stretch>
+            <a:fillRect/>
+          </a:stretch>
+        </p:blipFill>
+        <p:spPr>
+          <a:xfrm>
+            <a:off x="966373" y="583097"/>
+            <a:ext cx="10248046" cy="5728804"/>
+          </a:xfrm>
+          <a:prstGeom prst="rect">
+            <a:avLst/>
+          </a:prstGeom>
+        </p:spPr>
+      </p:pic>
+    </p:spTree>
+    <p:extLst>
+      <p:ext uri="{BB962C8B-B14F-4D97-AF65-F5344CB8AC3E}">
+        <p14:creationId xmlns:p14="http://schemas.microsoft.com/office/powerpoint/2010/main" val="1584938802"/>
       </p:ext>
     </p:extLst>
   </p:cSld>
@@ -5342,6 +6422,94 @@
 </p:sld>
 </file>
 
+<file path=ppt/slides/slide30.xml><?xml version="1.0" encoding="utf-8"?>
+<p:sld xmlns:a="http://schemas.openxmlformats.org/drawingml/2006/main" xmlns:r="http://schemas.openxmlformats.org/officeDocument/2006/relationships" xmlns:p="http://schemas.openxmlformats.org/presentationml/2006/main">
+  <p:cSld>
+    <p:spTree>
+      <p:nvGrpSpPr>
+        <p:cNvPr id="1" name=""/>
+        <p:cNvGrpSpPr/>
+        <p:nvPr/>
+      </p:nvGrpSpPr>
+      <p:grpSpPr>
+        <a:xfrm>
+          <a:off x="0" y="0"/>
+          <a:ext cx="0" cy="0"/>
+          <a:chOff x="0" y="0"/>
+          <a:chExt cx="0" cy="0"/>
+        </a:xfrm>
+      </p:grpSpPr>
+      <p:sp>
+        <p:nvSpPr>
+          <p:cNvPr id="4" name="Título 3">
+            <a:extLst>
+              <a:ext uri="{FF2B5EF4-FFF2-40B4-BE49-F238E27FC236}">
+                <a16:creationId xmlns:a16="http://schemas.microsoft.com/office/drawing/2014/main" id="{B460B266-1A5A-455D-AB68-B9575AE8E41B}"/>
+              </a:ext>
+            </a:extLst>
+          </p:cNvPr>
+          <p:cNvSpPr>
+            <a:spLocks noGrp="1"/>
+          </p:cNvSpPr>
+          <p:nvPr>
+            <p:ph type="ctrTitle"/>
+          </p:nvPr>
+        </p:nvSpPr>
+        <p:spPr/>
+        <p:txBody>
+          <a:bodyPr/>
+          <a:lstStyle/>
+          <a:p>
+            <a:r>
+              <a:rPr lang="es-MX" dirty="0"/>
+              <a:t>Francia, España </a:t>
+            </a:r>
+            <a:r>
+              <a:rPr lang="es-MX"/>
+              <a:t>y Madrid.</a:t>
+            </a:r>
+            <a:endParaRPr lang="es-MX" dirty="0"/>
+          </a:p>
+        </p:txBody>
+      </p:sp>
+      <p:sp>
+        <p:nvSpPr>
+          <p:cNvPr id="5" name="Subtítulo 4">
+            <a:extLst>
+              <a:ext uri="{FF2B5EF4-FFF2-40B4-BE49-F238E27FC236}">
+                <a16:creationId xmlns:a16="http://schemas.microsoft.com/office/drawing/2014/main" id="{45BDE5BA-B3BE-402D-BB7D-E15B51DBC1CB}"/>
+              </a:ext>
+            </a:extLst>
+          </p:cNvPr>
+          <p:cNvSpPr>
+            <a:spLocks noGrp="1"/>
+          </p:cNvSpPr>
+          <p:nvPr>
+            <p:ph type="subTitle" idx="1"/>
+          </p:nvPr>
+        </p:nvSpPr>
+        <p:spPr/>
+        <p:txBody>
+          <a:bodyPr/>
+          <a:lstStyle/>
+          <a:p>
+            <a:endParaRPr lang="es-MX" dirty="0"/>
+          </a:p>
+        </p:txBody>
+      </p:sp>
+    </p:spTree>
+    <p:extLst>
+      <p:ext uri="{BB962C8B-B14F-4D97-AF65-F5344CB8AC3E}">
+        <p14:creationId xmlns:p14="http://schemas.microsoft.com/office/powerpoint/2010/main" val="1899895739"/>
+      </p:ext>
+    </p:extLst>
+  </p:cSld>
+  <p:clrMapOvr>
+    <a:masterClrMapping/>
+  </p:clrMapOvr>
+</p:sld>
+</file>
+
 <file path=ppt/slides/slide4.xml><?xml version="1.0" encoding="utf-8"?>
 <p:sld xmlns:a="http://schemas.openxmlformats.org/drawingml/2006/main" xmlns:r="http://schemas.openxmlformats.org/officeDocument/2006/relationships" xmlns:p="http://schemas.openxmlformats.org/presentationml/2006/main">
   <p:cSld>
@@ -6064,7 +7232,7 @@
           <p:cNvPr id="2" name="Título 1">
             <a:extLst>
               <a:ext uri="{FF2B5EF4-FFF2-40B4-BE49-F238E27FC236}">
-                <a16:creationId xmlns:a16="http://schemas.microsoft.com/office/drawing/2014/main" id="{01A20CEC-C8E4-45CB-B7BA-6E2B86DFA76D}"/>
+                <a16:creationId xmlns:a16="http://schemas.microsoft.com/office/drawing/2014/main" id="{ACC68E52-B8FD-47EE-8C5B-8F192CE50655}"/>
               </a:ext>
             </a:extLst>
           </p:cNvPr>
@@ -6089,7 +7257,7 @@
           <p:cNvPr id="3" name="Marcador de contenido 2">
             <a:extLst>
               <a:ext uri="{FF2B5EF4-FFF2-40B4-BE49-F238E27FC236}">
-                <a16:creationId xmlns:a16="http://schemas.microsoft.com/office/drawing/2014/main" id="{D6868E22-BAA6-4274-A424-C0750EB8434B}"/>
+                <a16:creationId xmlns:a16="http://schemas.microsoft.com/office/drawing/2014/main" id="{EFED141D-FDB1-4610-8A3E-E5FFF79A55BF}"/>
               </a:ext>
             </a:extLst>
           </p:cNvPr>
@@ -6114,7 +7282,7 @@
           <p:cNvPr id="4" name="Imagen 3">
             <a:extLst>
               <a:ext uri="{FF2B5EF4-FFF2-40B4-BE49-F238E27FC236}">
-                <a16:creationId xmlns:a16="http://schemas.microsoft.com/office/drawing/2014/main" id="{5878A147-2FE3-4DCE-8FD5-C5AD1AABA83D}"/>
+                <a16:creationId xmlns:a16="http://schemas.microsoft.com/office/drawing/2014/main" id="{AF230C21-9E11-4018-8ABA-D2094868C6A0}"/>
               </a:ext>
             </a:extLst>
           </p:cNvPr>
@@ -6131,18 +7299,56 @@
         </p:blipFill>
         <p:spPr>
           <a:xfrm>
-            <a:off x="970413" y="259597"/>
-            <a:ext cx="10245667" cy="6362943"/>
+            <a:off x="665962" y="149599"/>
+            <a:ext cx="10323616" cy="6250997"/>
           </a:xfrm>
           <a:prstGeom prst="rect">
             <a:avLst/>
           </a:prstGeom>
         </p:spPr>
       </p:pic>
+      <p:cxnSp>
+        <p:nvCxnSpPr>
+          <p:cNvPr id="10" name="Conector recto 9">
+            <a:extLst>
+              <a:ext uri="{FF2B5EF4-FFF2-40B4-BE49-F238E27FC236}">
+                <a16:creationId xmlns:a16="http://schemas.microsoft.com/office/drawing/2014/main" id="{74FA3B39-41CC-472E-9A1F-9E2AD147C3DA}"/>
+              </a:ext>
+            </a:extLst>
+          </p:cNvPr>
+          <p:cNvCxnSpPr>
+            <a:cxnSpLocks/>
+          </p:cNvCxnSpPr>
+          <p:nvPr/>
+        </p:nvCxnSpPr>
+        <p:spPr>
+          <a:xfrm flipV="1">
+            <a:off x="10641496" y="1825625"/>
+            <a:ext cx="0" cy="3766792"/>
+          </a:xfrm>
+          <a:prstGeom prst="line">
+            <a:avLst/>
+          </a:prstGeom>
+        </p:spPr>
+        <p:style>
+          <a:lnRef idx="3">
+            <a:schemeClr val="accent2"/>
+          </a:lnRef>
+          <a:fillRef idx="0">
+            <a:schemeClr val="accent2"/>
+          </a:fillRef>
+          <a:effectRef idx="2">
+            <a:schemeClr val="accent2"/>
+          </a:effectRef>
+          <a:fontRef idx="minor">
+            <a:schemeClr val="tx1"/>
+          </a:fontRef>
+        </p:style>
+      </p:cxnSp>
     </p:spTree>
     <p:extLst>
       <p:ext uri="{BB962C8B-B14F-4D97-AF65-F5344CB8AC3E}">
-        <p14:creationId xmlns:p14="http://schemas.microsoft.com/office/powerpoint/2010/main" val="1448497159"/>
+        <p14:creationId xmlns:p14="http://schemas.microsoft.com/office/powerpoint/2010/main" val="3078366858"/>
       </p:ext>
     </p:extLst>
   </p:cSld>
@@ -6174,7 +7380,7 @@
           <p:cNvPr id="2" name="Título 1">
             <a:extLst>
               <a:ext uri="{FF2B5EF4-FFF2-40B4-BE49-F238E27FC236}">
-                <a16:creationId xmlns:a16="http://schemas.microsoft.com/office/drawing/2014/main" id="{F8EECD00-1A6C-4ED6-9426-8D70B5CB5BC1}"/>
+                <a16:creationId xmlns:a16="http://schemas.microsoft.com/office/drawing/2014/main" id="{ACC68E52-B8FD-47EE-8C5B-8F192CE50655}"/>
               </a:ext>
             </a:extLst>
           </p:cNvPr>
@@ -6199,7 +7405,7 @@
           <p:cNvPr id="3" name="Marcador de contenido 2">
             <a:extLst>
               <a:ext uri="{FF2B5EF4-FFF2-40B4-BE49-F238E27FC236}">
-                <a16:creationId xmlns:a16="http://schemas.microsoft.com/office/drawing/2014/main" id="{3A4FE9C1-B3E6-4841-9701-5C1435772A96}"/>
+                <a16:creationId xmlns:a16="http://schemas.microsoft.com/office/drawing/2014/main" id="{EFED141D-FDB1-4610-8A3E-E5FFF79A55BF}"/>
               </a:ext>
             </a:extLst>
           </p:cNvPr>
@@ -6224,7 +7430,7 @@
           <p:cNvPr id="4" name="Imagen 3">
             <a:extLst>
               <a:ext uri="{FF2B5EF4-FFF2-40B4-BE49-F238E27FC236}">
-                <a16:creationId xmlns:a16="http://schemas.microsoft.com/office/drawing/2014/main" id="{29DF998B-FB5A-48BC-BCEC-29A7DD69A167}"/>
+                <a16:creationId xmlns:a16="http://schemas.microsoft.com/office/drawing/2014/main" id="{AF230C21-9E11-4018-8ABA-D2094868C6A0}"/>
               </a:ext>
             </a:extLst>
           </p:cNvPr>
@@ -6241,18 +7447,94 @@
         </p:blipFill>
         <p:spPr>
           <a:xfrm>
-            <a:off x="1104550" y="346133"/>
-            <a:ext cx="9982900" cy="6111690"/>
+            <a:off x="665962" y="149599"/>
+            <a:ext cx="10323616" cy="6250997"/>
           </a:xfrm>
           <a:prstGeom prst="rect">
             <a:avLst/>
           </a:prstGeom>
         </p:spPr>
       </p:pic>
+      <p:cxnSp>
+        <p:nvCxnSpPr>
+          <p:cNvPr id="10" name="Conector recto 9">
+            <a:extLst>
+              <a:ext uri="{FF2B5EF4-FFF2-40B4-BE49-F238E27FC236}">
+                <a16:creationId xmlns:a16="http://schemas.microsoft.com/office/drawing/2014/main" id="{74FA3B39-41CC-472E-9A1F-9E2AD147C3DA}"/>
+              </a:ext>
+            </a:extLst>
+          </p:cNvPr>
+          <p:cNvCxnSpPr>
+            <a:cxnSpLocks/>
+          </p:cNvCxnSpPr>
+          <p:nvPr/>
+        </p:nvCxnSpPr>
+        <p:spPr>
+          <a:xfrm flipV="1">
+            <a:off x="10641496" y="1825625"/>
+            <a:ext cx="0" cy="3766792"/>
+          </a:xfrm>
+          <a:prstGeom prst="line">
+            <a:avLst/>
+          </a:prstGeom>
+        </p:spPr>
+        <p:style>
+          <a:lnRef idx="3">
+            <a:schemeClr val="accent2"/>
+          </a:lnRef>
+          <a:fillRef idx="0">
+            <a:schemeClr val="accent2"/>
+          </a:fillRef>
+          <a:effectRef idx="2">
+            <a:schemeClr val="accent2"/>
+          </a:effectRef>
+          <a:fontRef idx="minor">
+            <a:schemeClr val="tx1"/>
+          </a:fontRef>
+        </p:style>
+      </p:cxnSp>
+      <p:cxnSp>
+        <p:nvCxnSpPr>
+          <p:cNvPr id="6" name="Conector recto 5">
+            <a:extLst>
+              <a:ext uri="{FF2B5EF4-FFF2-40B4-BE49-F238E27FC236}">
+                <a16:creationId xmlns:a16="http://schemas.microsoft.com/office/drawing/2014/main" id="{057F4843-1784-46FA-AA74-1B8E10452FAE}"/>
+              </a:ext>
+            </a:extLst>
+          </p:cNvPr>
+          <p:cNvCxnSpPr>
+            <a:cxnSpLocks/>
+          </p:cNvCxnSpPr>
+          <p:nvPr/>
+        </p:nvCxnSpPr>
+        <p:spPr>
+          <a:xfrm>
+            <a:off x="1202422" y="1825625"/>
+            <a:ext cx="9439074" cy="0"/>
+          </a:xfrm>
+          <a:prstGeom prst="line">
+            <a:avLst/>
+          </a:prstGeom>
+        </p:spPr>
+        <p:style>
+          <a:lnRef idx="3">
+            <a:schemeClr val="accent2"/>
+          </a:lnRef>
+          <a:fillRef idx="0">
+            <a:schemeClr val="accent2"/>
+          </a:fillRef>
+          <a:effectRef idx="2">
+            <a:schemeClr val="accent2"/>
+          </a:effectRef>
+          <a:fontRef idx="minor">
+            <a:schemeClr val="tx1"/>
+          </a:fontRef>
+        </p:style>
+      </p:cxnSp>
     </p:spTree>
     <p:extLst>
       <p:ext uri="{BB962C8B-B14F-4D97-AF65-F5344CB8AC3E}">
-        <p14:creationId xmlns:p14="http://schemas.microsoft.com/office/powerpoint/2010/main" val="661049929"/>
+        <p14:creationId xmlns:p14="http://schemas.microsoft.com/office/powerpoint/2010/main" val="975261295"/>
       </p:ext>
     </p:extLst>
   </p:cSld>
